--- a/PPT/Chapter 8.pptx
+++ b/PPT/Chapter 8.pptx
@@ -294,7 +294,7 @@
           <a:p>
             <a:fld id="{D74A0DAD-2960-4494-9AE9-D8EB06AD9F97}" type="datetimeFigureOut">
               <a:rPr lang="en-US" smtClean="0"/>
-              <a:t>5/13/2024</a:t>
+              <a:t>5/14/2024</a:t>
             </a:fld>
             <a:endParaRPr lang="en-US"/>
           </a:p>
@@ -492,7 +492,7 @@
           <a:p>
             <a:fld id="{D74A0DAD-2960-4494-9AE9-D8EB06AD9F97}" type="datetimeFigureOut">
               <a:rPr lang="en-US" smtClean="0"/>
-              <a:t>5/13/2024</a:t>
+              <a:t>5/14/2024</a:t>
             </a:fld>
             <a:endParaRPr lang="en-US"/>
           </a:p>
@@ -700,7 +700,7 @@
           <a:p>
             <a:fld id="{D74A0DAD-2960-4494-9AE9-D8EB06AD9F97}" type="datetimeFigureOut">
               <a:rPr lang="en-US" smtClean="0"/>
-              <a:t>5/13/2024</a:t>
+              <a:t>5/14/2024</a:t>
             </a:fld>
             <a:endParaRPr lang="en-US"/>
           </a:p>
@@ -898,7 +898,7 @@
           <a:p>
             <a:fld id="{D74A0DAD-2960-4494-9AE9-D8EB06AD9F97}" type="datetimeFigureOut">
               <a:rPr lang="en-US" smtClean="0"/>
-              <a:t>5/13/2024</a:t>
+              <a:t>5/14/2024</a:t>
             </a:fld>
             <a:endParaRPr lang="en-US"/>
           </a:p>
@@ -1173,7 +1173,7 @@
           <a:p>
             <a:fld id="{D74A0DAD-2960-4494-9AE9-D8EB06AD9F97}" type="datetimeFigureOut">
               <a:rPr lang="en-US" smtClean="0"/>
-              <a:t>5/13/2024</a:t>
+              <a:t>5/14/2024</a:t>
             </a:fld>
             <a:endParaRPr lang="en-US"/>
           </a:p>
@@ -1438,7 +1438,7 @@
           <a:p>
             <a:fld id="{D74A0DAD-2960-4494-9AE9-D8EB06AD9F97}" type="datetimeFigureOut">
               <a:rPr lang="en-US" smtClean="0"/>
-              <a:t>5/13/2024</a:t>
+              <a:t>5/14/2024</a:t>
             </a:fld>
             <a:endParaRPr lang="en-US"/>
           </a:p>
@@ -1850,7 +1850,7 @@
           <a:p>
             <a:fld id="{D74A0DAD-2960-4494-9AE9-D8EB06AD9F97}" type="datetimeFigureOut">
               <a:rPr lang="en-US" smtClean="0"/>
-              <a:t>5/13/2024</a:t>
+              <a:t>5/14/2024</a:t>
             </a:fld>
             <a:endParaRPr lang="en-US"/>
           </a:p>
@@ -1991,7 +1991,7 @@
           <a:p>
             <a:fld id="{D74A0DAD-2960-4494-9AE9-D8EB06AD9F97}" type="datetimeFigureOut">
               <a:rPr lang="en-US" smtClean="0"/>
-              <a:t>5/13/2024</a:t>
+              <a:t>5/14/2024</a:t>
             </a:fld>
             <a:endParaRPr lang="en-US"/>
           </a:p>
@@ -2104,7 +2104,7 @@
           <a:p>
             <a:fld id="{D74A0DAD-2960-4494-9AE9-D8EB06AD9F97}" type="datetimeFigureOut">
               <a:rPr lang="en-US" smtClean="0"/>
-              <a:t>5/13/2024</a:t>
+              <a:t>5/14/2024</a:t>
             </a:fld>
             <a:endParaRPr lang="en-US"/>
           </a:p>
@@ -2415,7 +2415,7 @@
           <a:p>
             <a:fld id="{D74A0DAD-2960-4494-9AE9-D8EB06AD9F97}" type="datetimeFigureOut">
               <a:rPr lang="en-US" smtClean="0"/>
-              <a:t>5/13/2024</a:t>
+              <a:t>5/14/2024</a:t>
             </a:fld>
             <a:endParaRPr lang="en-US"/>
           </a:p>
@@ -2703,7 +2703,7 @@
           <a:p>
             <a:fld id="{D74A0DAD-2960-4494-9AE9-D8EB06AD9F97}" type="datetimeFigureOut">
               <a:rPr lang="en-US" smtClean="0"/>
-              <a:t>5/13/2024</a:t>
+              <a:t>5/14/2024</a:t>
             </a:fld>
             <a:endParaRPr lang="en-US"/>
           </a:p>
@@ -2944,7 +2944,7 @@
           <a:p>
             <a:fld id="{D74A0DAD-2960-4494-9AE9-D8EB06AD9F97}" type="datetimeFigureOut">
               <a:rPr lang="en-US" smtClean="0"/>
-              <a:t>5/13/2024</a:t>
+              <a:t>5/14/2024</a:t>
             </a:fld>
             <a:endParaRPr lang="en-US"/>
           </a:p>
@@ -4000,15 +4000,18 @@
                 <a:latin typeface="TH SarabunPSK" panose="020B0500040200020003" pitchFamily="34" charset="-34"/>
                 <a:cs typeface="TH SarabunPSK" panose="020B0500040200020003" pitchFamily="34" charset="-34"/>
               </a:rPr>
-              <a:t>กำหนดส่วนประกอบต่างๆของกราฟ</a:t>
-            </a:r>
-            <a:endParaRPr lang="en-US" dirty="0">
-              <a:solidFill>
-                <a:schemeClr val="bg1"/>
-              </a:solidFill>
-              <a:latin typeface="TH SarabunPSK" panose="020B0500040200020003" pitchFamily="34" charset="-34"/>
-              <a:cs typeface="TH SarabunPSK" panose="020B0500040200020003" pitchFamily="34" charset="-34"/>
-            </a:endParaRPr>
+              <a:t>กำหนดเครื่องหมายและข้อความบนแกน</a:t>
+            </a:r>
+            <a:r>
+              <a:rPr lang="en-US" dirty="0">
+                <a:solidFill>
+                  <a:schemeClr val="bg1"/>
+                </a:solidFill>
+                <a:latin typeface="TH SarabunPSK" panose="020B0500040200020003" pitchFamily="34" charset="-34"/>
+                <a:cs typeface="TH SarabunPSK" panose="020B0500040200020003" pitchFamily="34" charset="-34"/>
+              </a:rPr>
+              <a:t> x</a:t>
+            </a:r>
           </a:p>
         </p:txBody>
       </p:sp>
@@ -7161,6 +7164,16 @@
           <a:lstStyle/>
           <a:p>
             <a:r>
+              <a:rPr lang="th-TH" dirty="0">
+                <a:solidFill>
+                  <a:schemeClr val="bg1"/>
+                </a:solidFill>
+                <a:latin typeface="TH SarabunPSK" panose="020B0500040200020003" pitchFamily="34" charset="-34"/>
+                <a:cs typeface="TH SarabunPSK" panose="020B0500040200020003" pitchFamily="34" charset="-34"/>
+              </a:rPr>
+              <a:t>ส่วนประกอบของ </a:t>
+            </a:r>
+            <a:r>
               <a:rPr lang="en-US" dirty="0">
                 <a:solidFill>
                   <a:schemeClr val="bg1"/>
@@ -7901,15 +7914,22 @@
           <a:lstStyle/>
           <a:p>
             <a:r>
-              <a:rPr lang="en-US" dirty="0">
+              <a:rPr lang="th-TH" dirty="0">
                 <a:solidFill>
                   <a:schemeClr val="bg1"/>
                 </a:solidFill>
                 <a:latin typeface="TH SarabunPSK" panose="020B0500040200020003" pitchFamily="34" charset="-34"/>
                 <a:cs typeface="TH SarabunPSK" panose="020B0500040200020003" pitchFamily="34" charset="-34"/>
               </a:rPr>
-              <a:t>Candlestick Chart</a:t>
-            </a:r>
+              <a:t>วิธีการดูแนวโน้มเบื้องต้น </a:t>
+            </a:r>
+            <a:endParaRPr lang="en-US" dirty="0">
+              <a:solidFill>
+                <a:schemeClr val="bg1"/>
+              </a:solidFill>
+              <a:latin typeface="TH SarabunPSK" panose="020B0500040200020003" pitchFamily="34" charset="-34"/>
+              <a:cs typeface="TH SarabunPSK" panose="020B0500040200020003" pitchFamily="34" charset="-34"/>
+            </a:endParaRPr>
           </a:p>
         </p:txBody>
       </p:sp>
@@ -10025,15 +10045,18 @@
                 <a:latin typeface="TH SarabunPSK" panose="020B0500040200020003" pitchFamily="34" charset="-34"/>
                 <a:cs typeface="TH SarabunPSK" panose="020B0500040200020003" pitchFamily="34" charset="-34"/>
               </a:rPr>
-              <a:t>กำหนดส่วนประกอบต่างๆของกราฟ</a:t>
-            </a:r>
-            <a:endParaRPr lang="en-US" dirty="0">
-              <a:solidFill>
-                <a:schemeClr val="bg1"/>
-              </a:solidFill>
-              <a:latin typeface="TH SarabunPSK" panose="020B0500040200020003" pitchFamily="34" charset="-34"/>
-              <a:cs typeface="TH SarabunPSK" panose="020B0500040200020003" pitchFamily="34" charset="-34"/>
-            </a:endParaRPr>
+              <a:t>สร้าง </a:t>
+            </a:r>
+            <a:r>
+              <a:rPr lang="en-US" dirty="0">
+                <a:solidFill>
+                  <a:schemeClr val="bg1"/>
+                </a:solidFill>
+                <a:latin typeface="TH SarabunPSK" panose="020B0500040200020003" pitchFamily="34" charset="-34"/>
+                <a:cs typeface="TH SarabunPSK" panose="020B0500040200020003" pitchFamily="34" charset="-34"/>
+              </a:rPr>
+              <a:t>Candlestick Chart</a:t>
+            </a:r>
           </a:p>
         </p:txBody>
       </p:sp>
@@ -12310,7 +12333,7 @@
         </p:nvSpPr>
         <p:spPr>
           <a:xfrm>
-            <a:off x="1110197" y="4372143"/>
+            <a:off x="943928" y="4581476"/>
             <a:ext cx="10409872" cy="1820598"/>
           </a:xfrm>
         </p:spPr>
@@ -12325,32 +12348,8 @@
                 <a:latin typeface="TH SarabunPSK" panose="020B0500040200020003" pitchFamily="34" charset="-34"/>
                 <a:cs typeface="TH SarabunPSK" panose="020B0500040200020003" pitchFamily="34" charset="-34"/>
               </a:rPr>
-              <a:t>ความสำคัญและหน้าที่ของ </a:t>
-            </a:r>
-            <a:r>
-              <a:rPr lang="en-US" sz="2400" dirty="0">
-                <a:latin typeface="TH SarabunPSK" panose="020B0500040200020003" pitchFamily="34" charset="-34"/>
-                <a:cs typeface="TH SarabunPSK" panose="020B0500040200020003" pitchFamily="34" charset="-34"/>
-              </a:rPr>
-              <a:t>Timeline Chart</a:t>
-            </a:r>
-            <a:endParaRPr lang="th-TH" sz="2400" dirty="0">
-              <a:latin typeface="TH SarabunPSK" panose="020B0500040200020003" pitchFamily="34" charset="-34"/>
-              <a:cs typeface="TH SarabunPSK" panose="020B0500040200020003" pitchFamily="34" charset="-34"/>
-            </a:endParaRPr>
-          </a:p>
-          <a:p>
-            <a:r>
-              <a:rPr lang="th-TH" sz="2400" dirty="0">
-                <a:latin typeface="TH SarabunPSK" panose="020B0500040200020003" pitchFamily="34" charset="-34"/>
-                <a:cs typeface="TH SarabunPSK" panose="020B0500040200020003" pitchFamily="34" charset="-34"/>
-              </a:rPr>
-              <a:t>ยกตัวอย่างรูป</a:t>
-            </a:r>
-            <a:endParaRPr lang="en-US" sz="2400" dirty="0">
-              <a:latin typeface="TH SarabunPSK" panose="020B0500040200020003" pitchFamily="34" charset="-34"/>
-              <a:cs typeface="TH SarabunPSK" panose="020B0500040200020003" pitchFamily="34" charset="-34"/>
-            </a:endParaRPr>
+              <a:t>ใช้แสดงลำดับเหตุการณ์ตามเวลา ทำให้เห็นลำดับเหตุการณ์ที่เกิดขึ้นในช่วงเวลาต่างๆ หรือการวิเคราะห์และนำเสนอข้อมูลที่เกี่ยวข้องกับเวลา ช่วยให้ข้อมูลที่ซับซ้อนและละเอียดมากกลายเป็นข้อมูลที่เข้าใจง่ายและชัดเจน</a:t>
+            </a:r>
           </a:p>
           <a:p>
             <a:endParaRPr lang="en-US" dirty="0">
@@ -12382,7 +12381,7 @@
         </p:blipFill>
         <p:spPr>
           <a:xfrm>
-            <a:off x="3188843" y="1344517"/>
+            <a:off x="3022574" y="1416816"/>
             <a:ext cx="6252579" cy="2884186"/>
           </a:xfrm>
           <a:prstGeom prst="rect">
@@ -21022,9 +21021,6 @@
                   <a:srgbClr val="000000"/>
                 </a:solidFill>
                 <a:effectLst/>
-                <a:highlight>
-                  <a:srgbClr val="F7F7F7"/>
-                </a:highlight>
                 <a:latin typeface="Courier New" panose="02070309020205020404" pitchFamily="49" charset="0"/>
               </a:rPr>
               <a:t>brain_signal</a:t>
@@ -21035,9 +21031,6 @@
                   <a:srgbClr val="000000"/>
                 </a:solidFill>
                 <a:effectLst/>
-                <a:highlight>
-                  <a:srgbClr val="F7F7F7"/>
-                </a:highlight>
                 <a:latin typeface="Courier New" panose="02070309020205020404" pitchFamily="49" charset="0"/>
               </a:rPr>
               <a:t> = </a:t>
@@ -21048,9 +21041,6 @@
                   <a:srgbClr val="000000"/>
                 </a:solidFill>
                 <a:effectLst/>
-                <a:highlight>
-                  <a:srgbClr val="F7F7F7"/>
-                </a:highlight>
                 <a:latin typeface="Courier New" panose="02070309020205020404" pitchFamily="49" charset="0"/>
               </a:rPr>
               <a:t>np.cos</a:t>
@@ -21061,9 +21051,6 @@
                   <a:srgbClr val="000000"/>
                 </a:solidFill>
                 <a:effectLst/>
-                <a:highlight>
-                  <a:srgbClr val="F7F7F7"/>
-                </a:highlight>
                 <a:latin typeface="Courier New" panose="02070309020205020404" pitchFamily="49" charset="0"/>
               </a:rPr>
               <a:t>(</a:t>
@@ -21074,9 +21061,6 @@
                   <a:srgbClr val="116644"/>
                 </a:solidFill>
                 <a:effectLst/>
-                <a:highlight>
-                  <a:srgbClr val="F7F7F7"/>
-                </a:highlight>
                 <a:latin typeface="Courier New" panose="02070309020205020404" pitchFamily="49" charset="0"/>
               </a:rPr>
               <a:t>2</a:t>
@@ -21087,9 +21071,6 @@
                   <a:srgbClr val="000000"/>
                 </a:solidFill>
                 <a:effectLst/>
-                <a:highlight>
-                  <a:srgbClr val="F7F7F7"/>
-                </a:highlight>
                 <a:latin typeface="Courier New" panose="02070309020205020404" pitchFamily="49" charset="0"/>
               </a:rPr>
               <a:t> * </a:t>
@@ -21100,9 +21081,6 @@
                   <a:srgbClr val="000000"/>
                 </a:solidFill>
                 <a:effectLst/>
-                <a:highlight>
-                  <a:srgbClr val="F7F7F7"/>
-                </a:highlight>
                 <a:latin typeface="Courier New" panose="02070309020205020404" pitchFamily="49" charset="0"/>
               </a:rPr>
               <a:t>np.pi</a:t>
@@ -21113,9 +21091,6 @@
                   <a:srgbClr val="000000"/>
                 </a:solidFill>
                 <a:effectLst/>
-                <a:highlight>
-                  <a:srgbClr val="F7F7F7"/>
-                </a:highlight>
                 <a:latin typeface="Courier New" panose="02070309020205020404" pitchFamily="49" charset="0"/>
               </a:rPr>
               <a:t> * </a:t>
@@ -21126,9 +21101,6 @@
                   <a:srgbClr val="116644"/>
                 </a:solidFill>
                 <a:effectLst/>
-                <a:highlight>
-                  <a:srgbClr val="F7F7F7"/>
-                </a:highlight>
                 <a:latin typeface="Courier New" panose="02070309020205020404" pitchFamily="49" charset="0"/>
               </a:rPr>
               <a:t>20</a:t>
@@ -21139,9 +21111,6 @@
                   <a:srgbClr val="000000"/>
                 </a:solidFill>
                 <a:effectLst/>
-                <a:highlight>
-                  <a:srgbClr val="F7F7F7"/>
-                </a:highlight>
                 <a:latin typeface="Courier New" panose="02070309020205020404" pitchFamily="49" charset="0"/>
               </a:rPr>
               <a:t> * time)</a:t>
@@ -21154,9 +21123,6 @@
                   <a:srgbClr val="000000"/>
                 </a:solidFill>
                 <a:effectLst/>
-                <a:highlight>
-                  <a:srgbClr val="F7F7F7"/>
-                </a:highlight>
                 <a:latin typeface="Courier New" panose="02070309020205020404" pitchFamily="49" charset="0"/>
               </a:rPr>
               <a:t>random_movement</a:t>
@@ -21167,9 +21133,6 @@
                   <a:srgbClr val="000000"/>
                 </a:solidFill>
                 <a:effectLst/>
-                <a:highlight>
-                  <a:srgbClr val="F7F7F7"/>
-                </a:highlight>
                 <a:latin typeface="Courier New" panose="02070309020205020404" pitchFamily="49" charset="0"/>
               </a:rPr>
               <a:t> = </a:t>
@@ -21180,9 +21143,6 @@
                   <a:srgbClr val="000000"/>
                 </a:solidFill>
                 <a:effectLst/>
-                <a:highlight>
-                  <a:srgbClr val="F7F7F7"/>
-                </a:highlight>
                 <a:latin typeface="Courier New" panose="02070309020205020404" pitchFamily="49" charset="0"/>
               </a:rPr>
               <a:t>np.random.normal</a:t>
@@ -21193,9 +21153,6 @@
                   <a:srgbClr val="000000"/>
                 </a:solidFill>
                 <a:effectLst/>
-                <a:highlight>
-                  <a:srgbClr val="F7F7F7"/>
-                </a:highlight>
                 <a:latin typeface="Courier New" panose="02070309020205020404" pitchFamily="49" charset="0"/>
               </a:rPr>
               <a:t>(loc=</a:t>
@@ -21206,9 +21163,6 @@
                   <a:srgbClr val="116644"/>
                 </a:solidFill>
                 <a:effectLst/>
-                <a:highlight>
-                  <a:srgbClr val="F7F7F7"/>
-                </a:highlight>
                 <a:latin typeface="Courier New" panose="02070309020205020404" pitchFamily="49" charset="0"/>
               </a:rPr>
               <a:t>0</a:t>
@@ -21219,9 +21173,6 @@
                   <a:srgbClr val="000000"/>
                 </a:solidFill>
                 <a:effectLst/>
-                <a:highlight>
-                  <a:srgbClr val="F7F7F7"/>
-                </a:highlight>
                 <a:latin typeface="Courier New" panose="02070309020205020404" pitchFamily="49" charset="0"/>
               </a:rPr>
               <a:t>, scale=</a:t>
@@ -21232,9 +21183,6 @@
                   <a:srgbClr val="116644"/>
                 </a:solidFill>
                 <a:effectLst/>
-                <a:highlight>
-                  <a:srgbClr val="F7F7F7"/>
-                </a:highlight>
                 <a:latin typeface="Courier New" panose="02070309020205020404" pitchFamily="49" charset="0"/>
               </a:rPr>
               <a:t>0.1</a:t>
@@ -21245,9 +21193,6 @@
                   <a:srgbClr val="000000"/>
                 </a:solidFill>
                 <a:effectLst/>
-                <a:highlight>
-                  <a:srgbClr val="F7F7F7"/>
-                </a:highlight>
                 <a:latin typeface="Courier New" panose="02070309020205020404" pitchFamily="49" charset="0"/>
               </a:rPr>
               <a:t>, size=</a:t>
@@ -21258,9 +21203,6 @@
                   <a:srgbClr val="000000"/>
                 </a:solidFill>
                 <a:effectLst/>
-                <a:highlight>
-                  <a:srgbClr val="F7F7F7"/>
-                </a:highlight>
                 <a:latin typeface="Courier New" panose="02070309020205020404" pitchFamily="49" charset="0"/>
               </a:rPr>
               <a:t>num_samples</a:t>
@@ -21271,9 +21213,6 @@
                   <a:srgbClr val="000000"/>
                 </a:solidFill>
                 <a:effectLst/>
-                <a:highlight>
-                  <a:srgbClr val="F7F7F7"/>
-                </a:highlight>
                 <a:latin typeface="Courier New" panose="02070309020205020404" pitchFamily="49" charset="0"/>
               </a:rPr>
               <a:t>)</a:t>
@@ -21283,9 +21222,6 @@
                 <a:srgbClr val="000000"/>
               </a:solidFill>
               <a:effectLst/>
-              <a:highlight>
-                <a:srgbClr val="F7F7F7"/>
-              </a:highlight>
               <a:latin typeface="Courier New" panose="02070309020205020404" pitchFamily="49" charset="0"/>
             </a:endParaRPr>
           </a:p>
@@ -21296,9 +21232,6 @@
                   <a:srgbClr val="000000"/>
                 </a:solidFill>
                 <a:effectLst/>
-                <a:highlight>
-                  <a:srgbClr val="F7F7F7"/>
-                </a:highlight>
                 <a:latin typeface="Courier New" panose="02070309020205020404" pitchFamily="49" charset="0"/>
               </a:rPr>
               <a:t>brain_signal</a:t>
@@ -21309,9 +21242,6 @@
                   <a:srgbClr val="000000"/>
                 </a:solidFill>
                 <a:effectLst/>
-                <a:highlight>
-                  <a:srgbClr val="F7F7F7"/>
-                </a:highlight>
                 <a:latin typeface="Courier New" panose="02070309020205020404" pitchFamily="49" charset="0"/>
               </a:rPr>
               <a:t> += </a:t>
@@ -21322,9 +21252,6 @@
                   <a:srgbClr val="000000"/>
                 </a:solidFill>
                 <a:effectLst/>
-                <a:highlight>
-                  <a:srgbClr val="F7F7F7"/>
-                </a:highlight>
                 <a:latin typeface="Courier New" panose="02070309020205020404" pitchFamily="49" charset="0"/>
               </a:rPr>
               <a:t>random_movement</a:t>
@@ -21335,9 +21262,6 @@
                   <a:srgbClr val="000000"/>
                 </a:solidFill>
                 <a:effectLst/>
-                <a:highlight>
-                  <a:srgbClr val="F7F7F7"/>
-                </a:highlight>
                 <a:latin typeface="Courier New" panose="02070309020205020404" pitchFamily="49" charset="0"/>
               </a:rPr>
               <a:t> </a:t>
@@ -21347,9 +21271,6 @@
                 <a:srgbClr val="000000"/>
               </a:solidFill>
               <a:effectLst/>
-              <a:highlight>
-                <a:srgbClr val="F7F7F7"/>
-              </a:highlight>
               <a:latin typeface="Courier New" panose="02070309020205020404" pitchFamily="49" charset="0"/>
             </a:endParaRPr>
           </a:p>
@@ -23030,9 +22951,6 @@
                   <a:srgbClr val="000000"/>
                 </a:solidFill>
                 <a:effectLst/>
-                <a:highlight>
-                  <a:srgbClr val="F7F7F7"/>
-                </a:highlight>
                 <a:latin typeface="Courier New" panose="02070309020205020404" pitchFamily="49" charset="0"/>
               </a:rPr>
               <a:t>frequencies, </a:t>
@@ -23043,9 +22961,6 @@
                   <a:srgbClr val="000000"/>
                 </a:solidFill>
                 <a:effectLst/>
-                <a:highlight>
-                  <a:srgbClr val="F7F7F7"/>
-                </a:highlight>
                 <a:latin typeface="Courier New" panose="02070309020205020404" pitchFamily="49" charset="0"/>
               </a:rPr>
               <a:t>csd</a:t>
@@ -23056,9 +22971,6 @@
                   <a:srgbClr val="000000"/>
                 </a:solidFill>
                 <a:effectLst/>
-                <a:highlight>
-                  <a:srgbClr val="F7F7F7"/>
-                </a:highlight>
                 <a:latin typeface="Courier New" panose="02070309020205020404" pitchFamily="49" charset="0"/>
               </a:rPr>
               <a:t> = </a:t>
@@ -23069,9 +22981,6 @@
                   <a:srgbClr val="000000"/>
                 </a:solidFill>
                 <a:effectLst/>
-                <a:highlight>
-                  <a:srgbClr val="F7F7F7"/>
-                </a:highlight>
                 <a:latin typeface="Courier New" panose="02070309020205020404" pitchFamily="49" charset="0"/>
               </a:rPr>
               <a:t>signal.csd</a:t>
@@ -23082,9 +22991,6 @@
                   <a:srgbClr val="000000"/>
                 </a:solidFill>
                 <a:effectLst/>
-                <a:highlight>
-                  <a:srgbClr val="F7F7F7"/>
-                </a:highlight>
                 <a:latin typeface="Courier New" panose="02070309020205020404" pitchFamily="49" charset="0"/>
               </a:rPr>
               <a:t>(</a:t>
@@ -23095,9 +23001,6 @@
                   <a:srgbClr val="000000"/>
                 </a:solidFill>
                 <a:effectLst/>
-                <a:highlight>
-                  <a:srgbClr val="F7F7F7"/>
-                </a:highlight>
                 <a:latin typeface="Courier New" panose="02070309020205020404" pitchFamily="49" charset="0"/>
               </a:rPr>
               <a:t>ecg_signal</a:t>
@@ -23108,9 +23011,6 @@
                   <a:srgbClr val="000000"/>
                 </a:solidFill>
                 <a:effectLst/>
-                <a:highlight>
-                  <a:srgbClr val="F7F7F7"/>
-                </a:highlight>
                 <a:latin typeface="Courier New" panose="02070309020205020404" pitchFamily="49" charset="0"/>
               </a:rPr>
               <a:t>, </a:t>
@@ -23121,9 +23021,6 @@
                   <a:srgbClr val="000000"/>
                 </a:solidFill>
                 <a:effectLst/>
-                <a:highlight>
-                  <a:srgbClr val="F7F7F7"/>
-                </a:highlight>
                 <a:latin typeface="Courier New" panose="02070309020205020404" pitchFamily="49" charset="0"/>
               </a:rPr>
               <a:t>brain_signal</a:t>
@@ -23134,9 +23031,6 @@
                   <a:srgbClr val="000000"/>
                 </a:solidFill>
                 <a:effectLst/>
-                <a:highlight>
-                  <a:srgbClr val="F7F7F7"/>
-                </a:highlight>
                 <a:latin typeface="Courier New" panose="02070309020205020404" pitchFamily="49" charset="0"/>
               </a:rPr>
               <a:t>, fs=</a:t>
@@ -23147,9 +23041,6 @@
                   <a:srgbClr val="116644"/>
                 </a:solidFill>
                 <a:effectLst/>
-                <a:highlight>
-                  <a:srgbClr val="F7F7F7"/>
-                </a:highlight>
                 <a:latin typeface="Courier New" panose="02070309020205020404" pitchFamily="49" charset="0"/>
               </a:rPr>
               <a:t>1.0</a:t>
@@ -23160,9 +23051,6 @@
                   <a:srgbClr val="000000"/>
                 </a:solidFill>
                 <a:effectLst/>
-                <a:highlight>
-                  <a:srgbClr val="F7F7F7"/>
-                </a:highlight>
                 <a:latin typeface="Courier New" panose="02070309020205020404" pitchFamily="49" charset="0"/>
               </a:rPr>
               <a:t>, </a:t>
@@ -23173,9 +23061,6 @@
                   <a:srgbClr val="000000"/>
                 </a:solidFill>
                 <a:effectLst/>
-                <a:highlight>
-                  <a:srgbClr val="F7F7F7"/>
-                </a:highlight>
                 <a:latin typeface="Courier New" panose="02070309020205020404" pitchFamily="49" charset="0"/>
               </a:rPr>
               <a:t>nperseg</a:t>
@@ -23186,9 +23071,6 @@
                   <a:srgbClr val="000000"/>
                 </a:solidFill>
                 <a:effectLst/>
-                <a:highlight>
-                  <a:srgbClr val="F7F7F7"/>
-                </a:highlight>
                 <a:latin typeface="Courier New" panose="02070309020205020404" pitchFamily="49" charset="0"/>
               </a:rPr>
               <a:t>=</a:t>
@@ -23199,9 +23081,6 @@
                   <a:srgbClr val="116644"/>
                 </a:solidFill>
                 <a:effectLst/>
-                <a:highlight>
-                  <a:srgbClr val="F7F7F7"/>
-                </a:highlight>
                 <a:latin typeface="Courier New" panose="02070309020205020404" pitchFamily="49" charset="0"/>
               </a:rPr>
               <a:t>100</a:t>
@@ -23212,9 +23091,6 @@
                   <a:srgbClr val="000000"/>
                 </a:solidFill>
                 <a:effectLst/>
-                <a:highlight>
-                  <a:srgbClr val="F7F7F7"/>
-                </a:highlight>
                 <a:latin typeface="Courier New" panose="02070309020205020404" pitchFamily="49" charset="0"/>
               </a:rPr>
               <a:t>)</a:t>
@@ -24180,9 +24056,6 @@
                   <a:srgbClr val="000000"/>
                 </a:solidFill>
                 <a:effectLst/>
-                <a:highlight>
-                  <a:srgbClr val="F7F7F7"/>
-                </a:highlight>
                 <a:latin typeface="Courier New" panose="02070309020205020404" pitchFamily="49" charset="0"/>
               </a:rPr>
               <a:t>fig, (ax1, ax2) = </a:t>
@@ -24193,9 +24066,6 @@
                   <a:srgbClr val="000000"/>
                 </a:solidFill>
                 <a:effectLst/>
-                <a:highlight>
-                  <a:srgbClr val="F7F7F7"/>
-                </a:highlight>
                 <a:latin typeface="Courier New" panose="02070309020205020404" pitchFamily="49" charset="0"/>
               </a:rPr>
               <a:t>plt.subplots</a:t>
@@ -24206,9 +24076,6 @@
                   <a:srgbClr val="000000"/>
                 </a:solidFill>
                 <a:effectLst/>
-                <a:highlight>
-                  <a:srgbClr val="F7F7F7"/>
-                </a:highlight>
                 <a:latin typeface="Courier New" panose="02070309020205020404" pitchFamily="49" charset="0"/>
               </a:rPr>
               <a:t>(</a:t>
@@ -24219,9 +24086,6 @@
                   <a:srgbClr val="116644"/>
                 </a:solidFill>
                 <a:effectLst/>
-                <a:highlight>
-                  <a:srgbClr val="F7F7F7"/>
-                </a:highlight>
                 <a:latin typeface="Courier New" panose="02070309020205020404" pitchFamily="49" charset="0"/>
               </a:rPr>
               <a:t>2</a:t>
@@ -24232,9 +24096,6 @@
                   <a:srgbClr val="000000"/>
                 </a:solidFill>
                 <a:effectLst/>
-                <a:highlight>
-                  <a:srgbClr val="F7F7F7"/>
-                </a:highlight>
                 <a:latin typeface="Courier New" panose="02070309020205020404" pitchFamily="49" charset="0"/>
               </a:rPr>
               <a:t>, </a:t>
@@ -24245,9 +24106,6 @@
                   <a:srgbClr val="116644"/>
                 </a:solidFill>
                 <a:effectLst/>
-                <a:highlight>
-                  <a:srgbClr val="F7F7F7"/>
-                </a:highlight>
                 <a:latin typeface="Courier New" panose="02070309020205020404" pitchFamily="49" charset="0"/>
               </a:rPr>
               <a:t>1</a:t>
@@ -24258,9 +24116,6 @@
                   <a:srgbClr val="000000"/>
                 </a:solidFill>
                 <a:effectLst/>
-                <a:highlight>
-                  <a:srgbClr val="F7F7F7"/>
-                </a:highlight>
                 <a:latin typeface="Courier New" panose="02070309020205020404" pitchFamily="49" charset="0"/>
               </a:rPr>
               <a:t>, layout='constrained')</a:t>
@@ -24270,9 +24125,6 @@
                 <a:srgbClr val="000000"/>
               </a:solidFill>
               <a:effectLst/>
-              <a:highlight>
-                <a:srgbClr val="F7F7F7"/>
-              </a:highlight>
               <a:latin typeface="Courier New" panose="02070309020205020404" pitchFamily="49" charset="0"/>
             </a:endParaRPr>
           </a:p>
@@ -24965,9 +24817,6 @@
                   <a:srgbClr val="000000"/>
                 </a:solidFill>
                 <a:effectLst/>
-                <a:highlight>
-                  <a:srgbClr val="F7F7F7"/>
-                </a:highlight>
                 <a:latin typeface="Courier New" panose="02070309020205020404" pitchFamily="49" charset="0"/>
               </a:rPr>
               <a:t>ax1.plot(time, </a:t>
@@ -24978,9 +24827,6 @@
                   <a:srgbClr val="000000"/>
                 </a:solidFill>
                 <a:effectLst/>
-                <a:highlight>
-                  <a:srgbClr val="F7F7F7"/>
-                </a:highlight>
                 <a:latin typeface="Courier New" panose="02070309020205020404" pitchFamily="49" charset="0"/>
               </a:rPr>
               <a:t>ecg_signal</a:t>
@@ -24991,9 +24837,6 @@
                   <a:srgbClr val="000000"/>
                 </a:solidFill>
                 <a:effectLst/>
-                <a:highlight>
-                  <a:srgbClr val="F7F7F7"/>
-                </a:highlight>
                 <a:latin typeface="Courier New" panose="02070309020205020404" pitchFamily="49" charset="0"/>
               </a:rPr>
               <a:t>, label=</a:t>
@@ -25004,9 +24847,6 @@
                   <a:srgbClr val="A31515"/>
                 </a:solidFill>
                 <a:effectLst/>
-                <a:highlight>
-                  <a:srgbClr val="F7F7F7"/>
-                </a:highlight>
                 <a:latin typeface="Courier New" panose="02070309020205020404" pitchFamily="49" charset="0"/>
               </a:rPr>
               <a:t>'Heart Signal (ECG)'</a:t>
@@ -25017,9 +24857,6 @@
                   <a:srgbClr val="000000"/>
                 </a:solidFill>
                 <a:effectLst/>
-                <a:highlight>
-                  <a:srgbClr val="F7F7F7"/>
-                </a:highlight>
                 <a:latin typeface="Courier New" panose="02070309020205020404" pitchFamily="49" charset="0"/>
               </a:rPr>
               <a:t>)</a:t>
@@ -25032,9 +24869,6 @@
                   <a:srgbClr val="000000"/>
                 </a:solidFill>
                 <a:effectLst/>
-                <a:highlight>
-                  <a:srgbClr val="F7F7F7"/>
-                </a:highlight>
                 <a:latin typeface="Courier New" panose="02070309020205020404" pitchFamily="49" charset="0"/>
               </a:rPr>
               <a:t>ax1.plot(time, </a:t>
@@ -25045,9 +24879,6 @@
                   <a:srgbClr val="000000"/>
                 </a:solidFill>
                 <a:effectLst/>
-                <a:highlight>
-                  <a:srgbClr val="F7F7F7"/>
-                </a:highlight>
                 <a:latin typeface="Courier New" panose="02070309020205020404" pitchFamily="49" charset="0"/>
               </a:rPr>
               <a:t>brain_signal</a:t>
@@ -25058,9 +24889,6 @@
                   <a:srgbClr val="000000"/>
                 </a:solidFill>
                 <a:effectLst/>
-                <a:highlight>
-                  <a:srgbClr val="F7F7F7"/>
-                </a:highlight>
                 <a:latin typeface="Courier New" panose="02070309020205020404" pitchFamily="49" charset="0"/>
               </a:rPr>
               <a:t>, label=</a:t>
@@ -25071,9 +24899,6 @@
                   <a:srgbClr val="A31515"/>
                 </a:solidFill>
                 <a:effectLst/>
-                <a:highlight>
-                  <a:srgbClr val="F7F7F7"/>
-                </a:highlight>
                 <a:latin typeface="Courier New" panose="02070309020205020404" pitchFamily="49" charset="0"/>
               </a:rPr>
               <a:t>'Brain Signal (EEG-BATA)’</a:t>
@@ -25084,9 +24909,6 @@
                   <a:srgbClr val="000000"/>
                 </a:solidFill>
                 <a:effectLst/>
-                <a:highlight>
-                  <a:srgbClr val="F7F7F7"/>
-                </a:highlight>
                 <a:latin typeface="Courier New" panose="02070309020205020404" pitchFamily="49" charset="0"/>
               </a:rPr>
               <a:t>)</a:t>
@@ -25914,9 +25736,6 @@
                   <a:srgbClr val="000000"/>
                 </a:solidFill>
                 <a:effectLst/>
-                <a:highlight>
-                  <a:srgbClr val="F7F7F7"/>
-                </a:highlight>
                 <a:latin typeface="Courier New" panose="02070309020205020404" pitchFamily="49" charset="0"/>
               </a:rPr>
               <a:t>ax1.set_xlabel(</a:t>
@@ -25927,9 +25746,6 @@
                   <a:srgbClr val="A31515"/>
                 </a:solidFill>
                 <a:effectLst/>
-                <a:highlight>
-                  <a:srgbClr val="F7F7F7"/>
-                </a:highlight>
                 <a:latin typeface="Courier New" panose="02070309020205020404" pitchFamily="49" charset="0"/>
               </a:rPr>
               <a:t>'Time'</a:t>
@@ -25940,9 +25756,6 @@
                   <a:srgbClr val="000000"/>
                 </a:solidFill>
                 <a:effectLst/>
-                <a:highlight>
-                  <a:srgbClr val="F7F7F7"/>
-                </a:highlight>
                 <a:latin typeface="Courier New" panose="02070309020205020404" pitchFamily="49" charset="0"/>
               </a:rPr>
               <a:t>)</a:t>
@@ -25955,9 +25768,6 @@
                   <a:srgbClr val="000000"/>
                 </a:solidFill>
                 <a:effectLst/>
-                <a:highlight>
-                  <a:srgbClr val="F7F7F7"/>
-                </a:highlight>
                 <a:latin typeface="Courier New" panose="02070309020205020404" pitchFamily="49" charset="0"/>
               </a:rPr>
               <a:t>ax1.set_ylabel(</a:t>
@@ -25968,9 +25778,6 @@
                   <a:srgbClr val="A31515"/>
                 </a:solidFill>
                 <a:effectLst/>
-                <a:highlight>
-                  <a:srgbClr val="F7F7F7"/>
-                </a:highlight>
                 <a:latin typeface="Courier New" panose="02070309020205020404" pitchFamily="49" charset="0"/>
               </a:rPr>
               <a:t>'Amplitude'</a:t>
@@ -25981,9 +25788,6 @@
                   <a:srgbClr val="000000"/>
                 </a:solidFill>
                 <a:effectLst/>
-                <a:highlight>
-                  <a:srgbClr val="F7F7F7"/>
-                </a:highlight>
                 <a:latin typeface="Courier New" panose="02070309020205020404" pitchFamily="49" charset="0"/>
               </a:rPr>
               <a:t>)</a:t>
@@ -25996,9 +25800,6 @@
                   <a:srgbClr val="000000"/>
                 </a:solidFill>
                 <a:effectLst/>
-                <a:highlight>
-                  <a:srgbClr val="F7F7F7"/>
-                </a:highlight>
                 <a:latin typeface="Courier New" panose="02070309020205020404" pitchFamily="49" charset="0"/>
               </a:rPr>
               <a:t>ax1.set_title(</a:t>
@@ -26009,9 +25810,6 @@
                   <a:srgbClr val="A31515"/>
                 </a:solidFill>
                 <a:effectLst/>
-                <a:highlight>
-                  <a:srgbClr val="F7F7F7"/>
-                </a:highlight>
                 <a:latin typeface="Courier New" panose="02070309020205020404" pitchFamily="49" charset="0"/>
               </a:rPr>
               <a:t>'Heart and Brain Signals'</a:t>
@@ -26022,9 +25820,6 @@
                   <a:srgbClr val="000000"/>
                 </a:solidFill>
                 <a:effectLst/>
-                <a:highlight>
-                  <a:srgbClr val="F7F7F7"/>
-                </a:highlight>
                 <a:latin typeface="Courier New" panose="02070309020205020404" pitchFamily="49" charset="0"/>
               </a:rPr>
               <a:t>)</a:t>
@@ -26037,9 +25832,6 @@
                   <a:srgbClr val="000000"/>
                 </a:solidFill>
                 <a:effectLst/>
-                <a:highlight>
-                  <a:srgbClr val="F7F7F7"/>
-                </a:highlight>
                 <a:latin typeface="Courier New" panose="02070309020205020404" pitchFamily="49" charset="0"/>
               </a:rPr>
               <a:t>ax1.legend()</a:t>
@@ -26052,9 +25844,6 @@
                   <a:srgbClr val="000000"/>
                 </a:solidFill>
                 <a:effectLst/>
-                <a:highlight>
-                  <a:srgbClr val="F7F7F7"/>
-                </a:highlight>
                 <a:latin typeface="Courier New" panose="02070309020205020404" pitchFamily="49" charset="0"/>
               </a:rPr>
               <a:t>ax1.grid(</a:t>
@@ -26065,9 +25854,6 @@
                   <a:srgbClr val="0000FF"/>
                 </a:solidFill>
                 <a:effectLst/>
-                <a:highlight>
-                  <a:srgbClr val="F7F7F7"/>
-                </a:highlight>
                 <a:latin typeface="Courier New" panose="02070309020205020404" pitchFamily="49" charset="0"/>
               </a:rPr>
               <a:t>True</a:t>
@@ -26078,9 +25864,6 @@
                   <a:srgbClr val="000000"/>
                 </a:solidFill>
                 <a:effectLst/>
-                <a:highlight>
-                  <a:srgbClr val="F7F7F7"/>
-                </a:highlight>
                 <a:latin typeface="Courier New" panose="02070309020205020404" pitchFamily="49" charset="0"/>
               </a:rPr>
               <a:t>)</a:t>
@@ -26090,9 +25873,6 @@
                 <a:srgbClr val="000000"/>
               </a:solidFill>
               <a:effectLst/>
-              <a:highlight>
-                <a:srgbClr val="F7F7F7"/>
-              </a:highlight>
               <a:latin typeface="Courier New" panose="02070309020205020404" pitchFamily="49" charset="0"/>
             </a:endParaRPr>
           </a:p>
@@ -26787,9 +26567,6 @@
                   <a:srgbClr val="000000"/>
                 </a:solidFill>
                 <a:effectLst/>
-                <a:highlight>
-                  <a:srgbClr val="F7F7F7"/>
-                </a:highlight>
                 <a:latin typeface="Courier New" panose="02070309020205020404" pitchFamily="49" charset="0"/>
               </a:rPr>
               <a:t>ax2.semilogy(frequencies, </a:t>
@@ -26800,9 +26577,6 @@
                   <a:srgbClr val="000000"/>
                 </a:solidFill>
                 <a:effectLst/>
-                <a:highlight>
-                  <a:srgbClr val="F7F7F7"/>
-                </a:highlight>
                 <a:latin typeface="Courier New" panose="02070309020205020404" pitchFamily="49" charset="0"/>
               </a:rPr>
               <a:t>np.</a:t>
@@ -26813,9 +26587,6 @@
                   <a:srgbClr val="795E26"/>
                 </a:solidFill>
                 <a:effectLst/>
-                <a:highlight>
-                  <a:srgbClr val="F7F7F7"/>
-                </a:highlight>
                 <a:latin typeface="Courier New" panose="02070309020205020404" pitchFamily="49" charset="0"/>
               </a:rPr>
               <a:t>abs</a:t>
@@ -26826,9 +26597,6 @@
                   <a:srgbClr val="000000"/>
                 </a:solidFill>
                 <a:effectLst/>
-                <a:highlight>
-                  <a:srgbClr val="F7F7F7"/>
-                </a:highlight>
                 <a:latin typeface="Courier New" panose="02070309020205020404" pitchFamily="49" charset="0"/>
               </a:rPr>
               <a:t>(</a:t>
@@ -26839,9 +26607,6 @@
                   <a:srgbClr val="000000"/>
                 </a:solidFill>
                 <a:effectLst/>
-                <a:highlight>
-                  <a:srgbClr val="F7F7F7"/>
-                </a:highlight>
                 <a:latin typeface="Courier New" panose="02070309020205020404" pitchFamily="49" charset="0"/>
               </a:rPr>
               <a:t>csd</a:t>
@@ -26852,9 +26617,6 @@
                   <a:srgbClr val="000000"/>
                 </a:solidFill>
                 <a:effectLst/>
-                <a:highlight>
-                  <a:srgbClr val="F7F7F7"/>
-                </a:highlight>
                 <a:latin typeface="Courier New" panose="02070309020205020404" pitchFamily="49" charset="0"/>
               </a:rPr>
               <a:t>))</a:t>
@@ -26864,9 +26626,6 @@
                 <a:srgbClr val="000000"/>
               </a:solidFill>
               <a:effectLst/>
-              <a:highlight>
-                <a:srgbClr val="F7F7F7"/>
-              </a:highlight>
               <a:latin typeface="Courier New" panose="02070309020205020404" pitchFamily="49" charset="0"/>
             </a:endParaRPr>
           </a:p>
@@ -27584,9 +27343,6 @@
                   <a:srgbClr val="000000"/>
                 </a:solidFill>
                 <a:effectLst/>
-                <a:highlight>
-                  <a:srgbClr val="F7F7F7"/>
-                </a:highlight>
                 <a:latin typeface="Courier New" panose="02070309020205020404" pitchFamily="49" charset="0"/>
               </a:rPr>
               <a:t>ax2.set_xlabel(</a:t>
@@ -27597,9 +27353,6 @@
                   <a:srgbClr val="A31515"/>
                 </a:solidFill>
                 <a:effectLst/>
-                <a:highlight>
-                  <a:srgbClr val="F7F7F7"/>
-                </a:highlight>
                 <a:latin typeface="Courier New" panose="02070309020205020404" pitchFamily="49" charset="0"/>
               </a:rPr>
               <a:t>'Frequency (Hz)'</a:t>
@@ -27610,9 +27363,6 @@
                   <a:srgbClr val="000000"/>
                 </a:solidFill>
                 <a:effectLst/>
-                <a:highlight>
-                  <a:srgbClr val="F7F7F7"/>
-                </a:highlight>
                 <a:latin typeface="Courier New" panose="02070309020205020404" pitchFamily="49" charset="0"/>
               </a:rPr>
               <a:t>)</a:t>
@@ -27625,9 +27375,6 @@
                   <a:srgbClr val="000000"/>
                 </a:solidFill>
                 <a:effectLst/>
-                <a:highlight>
-                  <a:srgbClr val="F7F7F7"/>
-                </a:highlight>
                 <a:latin typeface="Courier New" panose="02070309020205020404" pitchFamily="49" charset="0"/>
               </a:rPr>
               <a:t>ax2.set_ylabel(</a:t>
@@ -27638,9 +27385,6 @@
                   <a:srgbClr val="A31515"/>
                 </a:solidFill>
                 <a:effectLst/>
-                <a:highlight>
-                  <a:srgbClr val="F7F7F7"/>
-                </a:highlight>
                 <a:latin typeface="Courier New" panose="02070309020205020404" pitchFamily="49" charset="0"/>
               </a:rPr>
               <a:t>'CSD (dB)'</a:t>
@@ -27651,9 +27395,6 @@
                   <a:srgbClr val="000000"/>
                 </a:solidFill>
                 <a:effectLst/>
-                <a:highlight>
-                  <a:srgbClr val="F7F7F7"/>
-                </a:highlight>
                 <a:latin typeface="Courier New" panose="02070309020205020404" pitchFamily="49" charset="0"/>
               </a:rPr>
               <a:t>)</a:t>
@@ -27666,9 +27407,6 @@
                   <a:srgbClr val="000000"/>
                 </a:solidFill>
                 <a:effectLst/>
-                <a:highlight>
-                  <a:srgbClr val="F7F7F7"/>
-                </a:highlight>
                 <a:latin typeface="Courier New" panose="02070309020205020404" pitchFamily="49" charset="0"/>
               </a:rPr>
               <a:t>ax2.set_title(</a:t>
@@ -27679,9 +27417,6 @@
                   <a:srgbClr val="A31515"/>
                 </a:solidFill>
                 <a:effectLst/>
-                <a:highlight>
-                  <a:srgbClr val="F7F7F7"/>
-                </a:highlight>
                 <a:latin typeface="Courier New" panose="02070309020205020404" pitchFamily="49" charset="0"/>
               </a:rPr>
               <a:t>'Cross Spectral Density'</a:t>
@@ -27692,9 +27427,6 @@
                   <a:srgbClr val="000000"/>
                 </a:solidFill>
                 <a:effectLst/>
-                <a:highlight>
-                  <a:srgbClr val="F7F7F7"/>
-                </a:highlight>
                 <a:latin typeface="Courier New" panose="02070309020205020404" pitchFamily="49" charset="0"/>
               </a:rPr>
               <a:t>)</a:t>
@@ -27707,9 +27439,6 @@
                   <a:srgbClr val="000000"/>
                 </a:solidFill>
                 <a:effectLst/>
-                <a:highlight>
-                  <a:srgbClr val="F7F7F7"/>
-                </a:highlight>
                 <a:latin typeface="Courier New" panose="02070309020205020404" pitchFamily="49" charset="0"/>
               </a:rPr>
               <a:t>ax2.grid(</a:t>
@@ -27720,9 +27449,6 @@
                   <a:srgbClr val="0000FF"/>
                 </a:solidFill>
                 <a:effectLst/>
-                <a:highlight>
-                  <a:srgbClr val="F7F7F7"/>
-                </a:highlight>
                 <a:latin typeface="Courier New" panose="02070309020205020404" pitchFamily="49" charset="0"/>
               </a:rPr>
               <a:t>True</a:t>
@@ -27733,9 +27459,6 @@
                   <a:srgbClr val="000000"/>
                 </a:solidFill>
                 <a:effectLst/>
-                <a:highlight>
-                  <a:srgbClr val="F7F7F7"/>
-                </a:highlight>
                 <a:latin typeface="Courier New" panose="02070309020205020404" pitchFamily="49" charset="0"/>
               </a:rPr>
               <a:t>)</a:t>
@@ -27748,9 +27471,6 @@
                   <a:srgbClr val="000000"/>
                 </a:solidFill>
                 <a:effectLst/>
-                <a:highlight>
-                  <a:srgbClr val="F7F7F7"/>
-                </a:highlight>
                 <a:latin typeface="Courier New" panose="02070309020205020404" pitchFamily="49" charset="0"/>
               </a:rPr>
               <a:t>plt.show</a:t>
@@ -27761,9 +27481,6 @@
                   <a:srgbClr val="000000"/>
                 </a:solidFill>
                 <a:effectLst/>
-                <a:highlight>
-                  <a:srgbClr val="F7F7F7"/>
-                </a:highlight>
                 <a:latin typeface="Courier New" panose="02070309020205020404" pitchFamily="49" charset="0"/>
               </a:rPr>
               <a:t>()</a:t>
@@ -27773,9 +27490,6 @@
                 <a:srgbClr val="000000"/>
               </a:solidFill>
               <a:effectLst/>
-              <a:highlight>
-                <a:srgbClr val="F7F7F7"/>
-              </a:highlight>
               <a:latin typeface="Courier New" panose="02070309020205020404" pitchFamily="49" charset="0"/>
             </a:endParaRPr>
           </a:p>
@@ -30545,15 +30259,38 @@
                 <a:latin typeface="TH SarabunPSK" panose="020B0500040200020003" pitchFamily="34" charset="-34"/>
                 <a:cs typeface="TH SarabunPSK" panose="020B0500040200020003" pitchFamily="34" charset="-34"/>
               </a:rPr>
-              <a:t>กำหนดส่วนประกอบต่างๆของกราฟ</a:t>
-            </a:r>
-            <a:endParaRPr lang="en-US" dirty="0">
-              <a:solidFill>
-                <a:schemeClr val="bg1"/>
-              </a:solidFill>
-              <a:latin typeface="TH SarabunPSK" panose="020B0500040200020003" pitchFamily="34" charset="-34"/>
-              <a:cs typeface="TH SarabunPSK" panose="020B0500040200020003" pitchFamily="34" charset="-34"/>
-            </a:endParaRPr>
+              <a:t>แปลงข้อมูล </a:t>
+            </a:r>
+            <a:r>
+              <a:rPr lang="en-US" dirty="0">
+                <a:solidFill>
+                  <a:schemeClr val="bg1"/>
+                </a:solidFill>
+                <a:latin typeface="TH SarabunPSK" panose="020B0500040200020003" pitchFamily="34" charset="-34"/>
+                <a:cs typeface="TH SarabunPSK" panose="020B0500040200020003" pitchFamily="34" charset="-34"/>
+              </a:rPr>
+              <a:t>datetime </a:t>
+            </a:r>
+            <a:r>
+              <a:rPr lang="th-TH" dirty="0">
+                <a:solidFill>
+                  <a:schemeClr val="bg1"/>
+                </a:solidFill>
+                <a:latin typeface="TH SarabunPSK" panose="020B0500040200020003" pitchFamily="34" charset="-34"/>
+                <a:cs typeface="TH SarabunPSK" panose="020B0500040200020003" pitchFamily="34" charset="-34"/>
+              </a:rPr>
+              <a:t>และกำหนดข้อมูล </a:t>
+            </a:r>
+            <a:r>
+              <a:rPr lang="en-US" dirty="0">
+                <a:solidFill>
+                  <a:schemeClr val="bg1"/>
+                </a:solidFill>
+                <a:latin typeface="TH SarabunPSK" panose="020B0500040200020003" pitchFamily="34" charset="-34"/>
+                <a:cs typeface="TH SarabunPSK" panose="020B0500040200020003" pitchFamily="34" charset="-34"/>
+              </a:rPr>
+              <a:t>levels</a:t>
+            </a:r>
           </a:p>
         </p:txBody>
       </p:sp>
@@ -31917,7 +31654,7 @@
                 <a:latin typeface="TH SarabunPSK" panose="020B0500040200020003" pitchFamily="34" charset="-34"/>
                 <a:cs typeface="TH SarabunPSK" panose="020B0500040200020003" pitchFamily="34" charset="-34"/>
               </a:rPr>
-              <a:t>กำหนดส่วนประกอบต่างๆของกราฟ</a:t>
+              <a:t>กำหนดขนาดและชื่อของกราฟ</a:t>
             </a:r>
             <a:endParaRPr lang="en-US" dirty="0">
               <a:solidFill>
@@ -32815,7 +32552,27 @@
                 <a:latin typeface="TH SarabunPSK" panose="020B0500040200020003" pitchFamily="34" charset="-34"/>
                 <a:cs typeface="TH SarabunPSK" panose="020B0500040200020003" pitchFamily="34" charset="-34"/>
               </a:rPr>
-              <a:t>กำหนดส่วนประกอบต่างๆของกราฟ</a:t>
+              <a:t>สร้างเส้น </a:t>
+            </a:r>
+            <a:r>
+              <a:rPr lang="en-US" dirty="0">
+                <a:solidFill>
+                  <a:schemeClr val="bg1"/>
+                </a:solidFill>
+                <a:latin typeface="TH SarabunPSK" panose="020B0500040200020003" pitchFamily="34" charset="-34"/>
+                <a:cs typeface="TH SarabunPSK" panose="020B0500040200020003" pitchFamily="34" charset="-34"/>
+              </a:rPr>
+              <a:t>timeline </a:t>
+            </a:r>
+            <a:r>
+              <a:rPr lang="th-TH" dirty="0">
+                <a:solidFill>
+                  <a:schemeClr val="bg1"/>
+                </a:solidFill>
+                <a:latin typeface="TH SarabunPSK" panose="020B0500040200020003" pitchFamily="34" charset="-34"/>
+                <a:cs typeface="TH SarabunPSK" panose="020B0500040200020003" pitchFamily="34" charset="-34"/>
+              </a:rPr>
+              <a:t>ของกราฟ</a:t>
             </a:r>
             <a:endParaRPr lang="en-US" dirty="0">
               <a:solidFill>
@@ -33888,7 +33645,7 @@
                 <a:latin typeface="TH SarabunPSK" panose="020B0500040200020003" pitchFamily="34" charset="-34"/>
                 <a:cs typeface="TH SarabunPSK" panose="020B0500040200020003" pitchFamily="34" charset="-34"/>
               </a:rPr>
-              <a:t>กำหนดส่วนประกอบต่างๆของกราฟ</a:t>
+              <a:t>กำหนดตำแหน่งข้อความในกราฟ</a:t>
             </a:r>
             <a:endParaRPr lang="en-US" dirty="0">
               <a:solidFill>
@@ -35032,7 +34789,7 @@
                 <a:latin typeface="TH SarabunPSK" panose="020B0500040200020003" pitchFamily="34" charset="-34"/>
                 <a:cs typeface="TH SarabunPSK" panose="020B0500040200020003" pitchFamily="34" charset="-34"/>
               </a:rPr>
-              <a:t>กำหนดส่วนประกอบต่างๆของกราฟ</a:t>
+              <a:t>กำหนดตำแหน่งข้อความในกราฟ</a:t>
             </a:r>
             <a:endParaRPr lang="en-US" dirty="0">
               <a:solidFill>

--- a/PPT/Chapter 8.pptx
+++ b/PPT/Chapter 8.pptx
@@ -294,7 +294,7 @@
           <a:p>
             <a:fld id="{D74A0DAD-2960-4494-9AE9-D8EB06AD9F97}" type="datetimeFigureOut">
               <a:rPr lang="en-US" smtClean="0"/>
-              <a:t>5/14/2024</a:t>
+              <a:t>6/18/2024</a:t>
             </a:fld>
             <a:endParaRPr lang="en-US"/>
           </a:p>
@@ -492,7 +492,7 @@
           <a:p>
             <a:fld id="{D74A0DAD-2960-4494-9AE9-D8EB06AD9F97}" type="datetimeFigureOut">
               <a:rPr lang="en-US" smtClean="0"/>
-              <a:t>5/14/2024</a:t>
+              <a:t>6/18/2024</a:t>
             </a:fld>
             <a:endParaRPr lang="en-US"/>
           </a:p>
@@ -700,7 +700,7 @@
           <a:p>
             <a:fld id="{D74A0DAD-2960-4494-9AE9-D8EB06AD9F97}" type="datetimeFigureOut">
               <a:rPr lang="en-US" smtClean="0"/>
-              <a:t>5/14/2024</a:t>
+              <a:t>6/18/2024</a:t>
             </a:fld>
             <a:endParaRPr lang="en-US"/>
           </a:p>
@@ -898,7 +898,7 @@
           <a:p>
             <a:fld id="{D74A0DAD-2960-4494-9AE9-D8EB06AD9F97}" type="datetimeFigureOut">
               <a:rPr lang="en-US" smtClean="0"/>
-              <a:t>5/14/2024</a:t>
+              <a:t>6/18/2024</a:t>
             </a:fld>
             <a:endParaRPr lang="en-US"/>
           </a:p>
@@ -1173,7 +1173,7 @@
           <a:p>
             <a:fld id="{D74A0DAD-2960-4494-9AE9-D8EB06AD9F97}" type="datetimeFigureOut">
               <a:rPr lang="en-US" smtClean="0"/>
-              <a:t>5/14/2024</a:t>
+              <a:t>6/18/2024</a:t>
             </a:fld>
             <a:endParaRPr lang="en-US"/>
           </a:p>
@@ -1438,7 +1438,7 @@
           <a:p>
             <a:fld id="{D74A0DAD-2960-4494-9AE9-D8EB06AD9F97}" type="datetimeFigureOut">
               <a:rPr lang="en-US" smtClean="0"/>
-              <a:t>5/14/2024</a:t>
+              <a:t>6/18/2024</a:t>
             </a:fld>
             <a:endParaRPr lang="en-US"/>
           </a:p>
@@ -1850,7 +1850,7 @@
           <a:p>
             <a:fld id="{D74A0DAD-2960-4494-9AE9-D8EB06AD9F97}" type="datetimeFigureOut">
               <a:rPr lang="en-US" smtClean="0"/>
-              <a:t>5/14/2024</a:t>
+              <a:t>6/18/2024</a:t>
             </a:fld>
             <a:endParaRPr lang="en-US"/>
           </a:p>
@@ -1991,7 +1991,7 @@
           <a:p>
             <a:fld id="{D74A0DAD-2960-4494-9AE9-D8EB06AD9F97}" type="datetimeFigureOut">
               <a:rPr lang="en-US" smtClean="0"/>
-              <a:t>5/14/2024</a:t>
+              <a:t>6/18/2024</a:t>
             </a:fld>
             <a:endParaRPr lang="en-US"/>
           </a:p>
@@ -2104,7 +2104,7 @@
           <a:p>
             <a:fld id="{D74A0DAD-2960-4494-9AE9-D8EB06AD9F97}" type="datetimeFigureOut">
               <a:rPr lang="en-US" smtClean="0"/>
-              <a:t>5/14/2024</a:t>
+              <a:t>6/18/2024</a:t>
             </a:fld>
             <a:endParaRPr lang="en-US"/>
           </a:p>
@@ -2415,7 +2415,7 @@
           <a:p>
             <a:fld id="{D74A0DAD-2960-4494-9AE9-D8EB06AD9F97}" type="datetimeFigureOut">
               <a:rPr lang="en-US" smtClean="0"/>
-              <a:t>5/14/2024</a:t>
+              <a:t>6/18/2024</a:t>
             </a:fld>
             <a:endParaRPr lang="en-US"/>
           </a:p>
@@ -2703,7 +2703,7 @@
           <a:p>
             <a:fld id="{D74A0DAD-2960-4494-9AE9-D8EB06AD9F97}" type="datetimeFigureOut">
               <a:rPr lang="en-US" smtClean="0"/>
-              <a:t>5/14/2024</a:t>
+              <a:t>6/18/2024</a:t>
             </a:fld>
             <a:endParaRPr lang="en-US"/>
           </a:p>
@@ -2944,7 +2944,7 @@
           <a:p>
             <a:fld id="{D74A0DAD-2960-4494-9AE9-D8EB06AD9F97}" type="datetimeFigureOut">
               <a:rPr lang="en-US" smtClean="0"/>
-              <a:t>5/14/2024</a:t>
+              <a:t>6/18/2024</a:t>
             </a:fld>
             <a:endParaRPr lang="en-US"/>
           </a:p>
@@ -3567,6 +3567,88 @@
           </a:prstGeom>
         </p:spPr>
       </p:pic>
+      <p:sp>
+        <p:nvSpPr>
+          <p:cNvPr id="7" name="TextBox 6">
+            <a:extLst>
+              <a:ext uri="{FF2B5EF4-FFF2-40B4-BE49-F238E27FC236}">
+                <a16:creationId xmlns:a16="http://schemas.microsoft.com/office/drawing/2014/main" id="{53CB00D8-C14B-4B13-5719-6F1DBE66190A}"/>
+              </a:ext>
+            </a:extLst>
+          </p:cNvPr>
+          <p:cNvSpPr txBox="1"/>
+          <p:nvPr/>
+        </p:nvSpPr>
+        <p:spPr>
+          <a:xfrm>
+            <a:off x="114677" y="6172611"/>
+            <a:ext cx="5532120" cy="461665"/>
+          </a:xfrm>
+          <a:prstGeom prst="rect">
+            <a:avLst/>
+          </a:prstGeom>
+          <a:noFill/>
+        </p:spPr>
+        <p:txBody>
+          <a:bodyPr wrap="square">
+            <a:spAutoFit/>
+          </a:bodyPr>
+          <a:lstStyle/>
+          <a:p>
+            <a:pPr algn="l"/>
+            <a:r>
+              <a:rPr lang="th-TH" sz="2400" dirty="0">
+                <a:solidFill>
+                  <a:schemeClr val="bg1"/>
+                </a:solidFill>
+                <a:latin typeface="TH SarabunPSK" panose="020B0500040200020003" pitchFamily="34" charset="-34"/>
+                <a:cs typeface="TH SarabunPSK" panose="020B0500040200020003" pitchFamily="34" charset="-34"/>
+              </a:rPr>
+              <a:t>โดย ผศ</a:t>
+            </a:r>
+            <a:r>
+              <a:rPr lang="en-US" sz="2400" dirty="0">
+                <a:solidFill>
+                  <a:schemeClr val="bg1"/>
+                </a:solidFill>
+                <a:latin typeface="TH SarabunPSK" panose="020B0500040200020003" pitchFamily="34" charset="-34"/>
+                <a:cs typeface="TH SarabunPSK" panose="020B0500040200020003" pitchFamily="34" charset="-34"/>
+              </a:rPr>
+              <a:t>. </a:t>
+            </a:r>
+            <a:r>
+              <a:rPr lang="th-TH" sz="2400" dirty="0">
+                <a:solidFill>
+                  <a:schemeClr val="bg1"/>
+                </a:solidFill>
+                <a:latin typeface="TH SarabunPSK" panose="020B0500040200020003" pitchFamily="34" charset="-34"/>
+                <a:cs typeface="TH SarabunPSK" panose="020B0500040200020003" pitchFamily="34" charset="-34"/>
+              </a:rPr>
+              <a:t>ดร</a:t>
+            </a:r>
+            <a:r>
+              <a:rPr lang="en-US" sz="2400" dirty="0">
+                <a:solidFill>
+                  <a:schemeClr val="bg1"/>
+                </a:solidFill>
+                <a:latin typeface="TH SarabunPSK" panose="020B0500040200020003" pitchFamily="34" charset="-34"/>
+                <a:cs typeface="TH SarabunPSK" panose="020B0500040200020003" pitchFamily="34" charset="-34"/>
+              </a:rPr>
+              <a:t>.</a:t>
+            </a:r>
+            <a:r>
+              <a:rPr lang="th-TH" sz="2400" dirty="0">
+                <a:solidFill>
+                  <a:schemeClr val="bg1"/>
+                </a:solidFill>
+                <a:latin typeface="TH SarabunPSK" panose="020B0500040200020003" pitchFamily="34" charset="-34"/>
+                <a:cs typeface="TH SarabunPSK" panose="020B0500040200020003" pitchFamily="34" charset="-34"/>
+              </a:rPr>
+              <a:t>ธนพงศ์ อินทระ สาขาวิชาสถิติ มหาวิทยาลัยขอนแก่น </a:t>
+            </a:r>
+          </a:p>
+        </p:txBody>
+      </p:sp>
     </p:spTree>
     <p:extLst>
       <p:ext uri="{BB962C8B-B14F-4D97-AF65-F5344CB8AC3E}">
@@ -4654,6 +4736,88 @@
           </a:p>
         </p:txBody>
       </p:sp>
+      <p:sp>
+        <p:nvSpPr>
+          <p:cNvPr id="4" name="TextBox 3">
+            <a:extLst>
+              <a:ext uri="{FF2B5EF4-FFF2-40B4-BE49-F238E27FC236}">
+                <a16:creationId xmlns:a16="http://schemas.microsoft.com/office/drawing/2014/main" id="{7597660E-08EF-C292-BDAD-140A1A1FF1B1}"/>
+              </a:ext>
+            </a:extLst>
+          </p:cNvPr>
+          <p:cNvSpPr txBox="1"/>
+          <p:nvPr/>
+        </p:nvSpPr>
+        <p:spPr>
+          <a:xfrm>
+            <a:off x="124837" y="6451715"/>
+            <a:ext cx="5532120" cy="461665"/>
+          </a:xfrm>
+          <a:prstGeom prst="rect">
+            <a:avLst/>
+          </a:prstGeom>
+          <a:noFill/>
+        </p:spPr>
+        <p:txBody>
+          <a:bodyPr wrap="square">
+            <a:spAutoFit/>
+          </a:bodyPr>
+          <a:lstStyle/>
+          <a:p>
+            <a:pPr algn="l"/>
+            <a:r>
+              <a:rPr lang="th-TH" sz="2400" dirty="0">
+                <a:solidFill>
+                  <a:schemeClr val="bg1"/>
+                </a:solidFill>
+                <a:latin typeface="TH SarabunPSK" panose="020B0500040200020003" pitchFamily="34" charset="-34"/>
+                <a:cs typeface="TH SarabunPSK" panose="020B0500040200020003" pitchFamily="34" charset="-34"/>
+              </a:rPr>
+              <a:t>โดย ผศ</a:t>
+            </a:r>
+            <a:r>
+              <a:rPr lang="en-US" sz="2400" dirty="0">
+                <a:solidFill>
+                  <a:schemeClr val="bg1"/>
+                </a:solidFill>
+                <a:latin typeface="TH SarabunPSK" panose="020B0500040200020003" pitchFamily="34" charset="-34"/>
+                <a:cs typeface="TH SarabunPSK" panose="020B0500040200020003" pitchFamily="34" charset="-34"/>
+              </a:rPr>
+              <a:t>. </a:t>
+            </a:r>
+            <a:r>
+              <a:rPr lang="th-TH" sz="2400" dirty="0">
+                <a:solidFill>
+                  <a:schemeClr val="bg1"/>
+                </a:solidFill>
+                <a:latin typeface="TH SarabunPSK" panose="020B0500040200020003" pitchFamily="34" charset="-34"/>
+                <a:cs typeface="TH SarabunPSK" panose="020B0500040200020003" pitchFamily="34" charset="-34"/>
+              </a:rPr>
+              <a:t>ดร</a:t>
+            </a:r>
+            <a:r>
+              <a:rPr lang="en-US" sz="2400" dirty="0">
+                <a:solidFill>
+                  <a:schemeClr val="bg1"/>
+                </a:solidFill>
+                <a:latin typeface="TH SarabunPSK" panose="020B0500040200020003" pitchFamily="34" charset="-34"/>
+                <a:cs typeface="TH SarabunPSK" panose="020B0500040200020003" pitchFamily="34" charset="-34"/>
+              </a:rPr>
+              <a:t>.</a:t>
+            </a:r>
+            <a:r>
+              <a:rPr lang="th-TH" sz="2400" dirty="0">
+                <a:solidFill>
+                  <a:schemeClr val="bg1"/>
+                </a:solidFill>
+                <a:latin typeface="TH SarabunPSK" panose="020B0500040200020003" pitchFamily="34" charset="-34"/>
+                <a:cs typeface="TH SarabunPSK" panose="020B0500040200020003" pitchFamily="34" charset="-34"/>
+              </a:rPr>
+              <a:t>ธนพงศ์ อินทระ สาขาวิชาสถิติ มหาวิทยาลัยขอนแก่น </a:t>
+            </a:r>
+          </a:p>
+        </p:txBody>
+      </p:sp>
     </p:spTree>
     <p:extLst>
       <p:ext uri="{BB962C8B-B14F-4D97-AF65-F5344CB8AC3E}">
@@ -5750,6 +5914,88 @@
           </a:p>
         </p:txBody>
       </p:sp>
+      <p:sp>
+        <p:nvSpPr>
+          <p:cNvPr id="4" name="TextBox 3">
+            <a:extLst>
+              <a:ext uri="{FF2B5EF4-FFF2-40B4-BE49-F238E27FC236}">
+                <a16:creationId xmlns:a16="http://schemas.microsoft.com/office/drawing/2014/main" id="{6F4A1F43-F5E7-1751-CD73-A517E3940F3A}"/>
+              </a:ext>
+            </a:extLst>
+          </p:cNvPr>
+          <p:cNvSpPr txBox="1"/>
+          <p:nvPr/>
+        </p:nvSpPr>
+        <p:spPr>
+          <a:xfrm>
+            <a:off x="124837" y="6451715"/>
+            <a:ext cx="5532120" cy="461665"/>
+          </a:xfrm>
+          <a:prstGeom prst="rect">
+            <a:avLst/>
+          </a:prstGeom>
+          <a:noFill/>
+        </p:spPr>
+        <p:txBody>
+          <a:bodyPr wrap="square">
+            <a:spAutoFit/>
+          </a:bodyPr>
+          <a:lstStyle/>
+          <a:p>
+            <a:pPr algn="l"/>
+            <a:r>
+              <a:rPr lang="th-TH" sz="2400" dirty="0">
+                <a:solidFill>
+                  <a:schemeClr val="bg1"/>
+                </a:solidFill>
+                <a:latin typeface="TH SarabunPSK" panose="020B0500040200020003" pitchFamily="34" charset="-34"/>
+                <a:cs typeface="TH SarabunPSK" panose="020B0500040200020003" pitchFamily="34" charset="-34"/>
+              </a:rPr>
+              <a:t>โดย ผศ</a:t>
+            </a:r>
+            <a:r>
+              <a:rPr lang="en-US" sz="2400" dirty="0">
+                <a:solidFill>
+                  <a:schemeClr val="bg1"/>
+                </a:solidFill>
+                <a:latin typeface="TH SarabunPSK" panose="020B0500040200020003" pitchFamily="34" charset="-34"/>
+                <a:cs typeface="TH SarabunPSK" panose="020B0500040200020003" pitchFamily="34" charset="-34"/>
+              </a:rPr>
+              <a:t>. </a:t>
+            </a:r>
+            <a:r>
+              <a:rPr lang="th-TH" sz="2400" dirty="0">
+                <a:solidFill>
+                  <a:schemeClr val="bg1"/>
+                </a:solidFill>
+                <a:latin typeface="TH SarabunPSK" panose="020B0500040200020003" pitchFamily="34" charset="-34"/>
+                <a:cs typeface="TH SarabunPSK" panose="020B0500040200020003" pitchFamily="34" charset="-34"/>
+              </a:rPr>
+              <a:t>ดร</a:t>
+            </a:r>
+            <a:r>
+              <a:rPr lang="en-US" sz="2400" dirty="0">
+                <a:solidFill>
+                  <a:schemeClr val="bg1"/>
+                </a:solidFill>
+                <a:latin typeface="TH SarabunPSK" panose="020B0500040200020003" pitchFamily="34" charset="-34"/>
+                <a:cs typeface="TH SarabunPSK" panose="020B0500040200020003" pitchFamily="34" charset="-34"/>
+              </a:rPr>
+              <a:t>.</a:t>
+            </a:r>
+            <a:r>
+              <a:rPr lang="th-TH" sz="2400" dirty="0">
+                <a:solidFill>
+                  <a:schemeClr val="bg1"/>
+                </a:solidFill>
+                <a:latin typeface="TH SarabunPSK" panose="020B0500040200020003" pitchFamily="34" charset="-34"/>
+                <a:cs typeface="TH SarabunPSK" panose="020B0500040200020003" pitchFamily="34" charset="-34"/>
+              </a:rPr>
+              <a:t>ธนพงศ์ อินทระ สาขาวิชาสถิติ มหาวิทยาลัยขอนแก่น </a:t>
+            </a:r>
+          </a:p>
+        </p:txBody>
+      </p:sp>
     </p:spTree>
     <p:extLst>
       <p:ext uri="{BB962C8B-B14F-4D97-AF65-F5344CB8AC3E}">
@@ -6227,6 +6473,88 @@
           </a:p>
         </p:txBody>
       </p:sp>
+      <p:sp>
+        <p:nvSpPr>
+          <p:cNvPr id="4" name="TextBox 3">
+            <a:extLst>
+              <a:ext uri="{FF2B5EF4-FFF2-40B4-BE49-F238E27FC236}">
+                <a16:creationId xmlns:a16="http://schemas.microsoft.com/office/drawing/2014/main" id="{966E9B4F-D185-FF37-E070-6BDBCD65127F}"/>
+              </a:ext>
+            </a:extLst>
+          </p:cNvPr>
+          <p:cNvSpPr txBox="1"/>
+          <p:nvPr/>
+        </p:nvSpPr>
+        <p:spPr>
+          <a:xfrm>
+            <a:off x="124837" y="6451715"/>
+            <a:ext cx="5532120" cy="461665"/>
+          </a:xfrm>
+          <a:prstGeom prst="rect">
+            <a:avLst/>
+          </a:prstGeom>
+          <a:noFill/>
+        </p:spPr>
+        <p:txBody>
+          <a:bodyPr wrap="square">
+            <a:spAutoFit/>
+          </a:bodyPr>
+          <a:lstStyle/>
+          <a:p>
+            <a:pPr algn="l"/>
+            <a:r>
+              <a:rPr lang="th-TH" sz="2400" dirty="0">
+                <a:solidFill>
+                  <a:schemeClr val="bg1"/>
+                </a:solidFill>
+                <a:latin typeface="TH SarabunPSK" panose="020B0500040200020003" pitchFamily="34" charset="-34"/>
+                <a:cs typeface="TH SarabunPSK" panose="020B0500040200020003" pitchFamily="34" charset="-34"/>
+              </a:rPr>
+              <a:t>โดย ผศ</a:t>
+            </a:r>
+            <a:r>
+              <a:rPr lang="en-US" sz="2400" dirty="0">
+                <a:solidFill>
+                  <a:schemeClr val="bg1"/>
+                </a:solidFill>
+                <a:latin typeface="TH SarabunPSK" panose="020B0500040200020003" pitchFamily="34" charset="-34"/>
+                <a:cs typeface="TH SarabunPSK" panose="020B0500040200020003" pitchFamily="34" charset="-34"/>
+              </a:rPr>
+              <a:t>. </a:t>
+            </a:r>
+            <a:r>
+              <a:rPr lang="th-TH" sz="2400" dirty="0">
+                <a:solidFill>
+                  <a:schemeClr val="bg1"/>
+                </a:solidFill>
+                <a:latin typeface="TH SarabunPSK" panose="020B0500040200020003" pitchFamily="34" charset="-34"/>
+                <a:cs typeface="TH SarabunPSK" panose="020B0500040200020003" pitchFamily="34" charset="-34"/>
+              </a:rPr>
+              <a:t>ดร</a:t>
+            </a:r>
+            <a:r>
+              <a:rPr lang="en-US" sz="2400" dirty="0">
+                <a:solidFill>
+                  <a:schemeClr val="bg1"/>
+                </a:solidFill>
+                <a:latin typeface="TH SarabunPSK" panose="020B0500040200020003" pitchFamily="34" charset="-34"/>
+                <a:cs typeface="TH SarabunPSK" panose="020B0500040200020003" pitchFamily="34" charset="-34"/>
+              </a:rPr>
+              <a:t>.</a:t>
+            </a:r>
+            <a:r>
+              <a:rPr lang="th-TH" sz="2400" dirty="0">
+                <a:solidFill>
+                  <a:schemeClr val="bg1"/>
+                </a:solidFill>
+                <a:latin typeface="TH SarabunPSK" panose="020B0500040200020003" pitchFamily="34" charset="-34"/>
+                <a:cs typeface="TH SarabunPSK" panose="020B0500040200020003" pitchFamily="34" charset="-34"/>
+              </a:rPr>
+              <a:t>ธนพงศ์ อินทระ สาขาวิชาสถิติ มหาวิทยาลัยขอนแก่น </a:t>
+            </a:r>
+          </a:p>
+        </p:txBody>
+      </p:sp>
     </p:spTree>
     <p:extLst>
       <p:ext uri="{BB962C8B-B14F-4D97-AF65-F5344CB8AC3E}">
@@ -6776,6 +7104,88 @@
           </a:p>
         </p:txBody>
       </p:sp>
+      <p:sp>
+        <p:nvSpPr>
+          <p:cNvPr id="5" name="TextBox 4">
+            <a:extLst>
+              <a:ext uri="{FF2B5EF4-FFF2-40B4-BE49-F238E27FC236}">
+                <a16:creationId xmlns:a16="http://schemas.microsoft.com/office/drawing/2014/main" id="{8E289F5B-BCC4-DCA4-1922-C40F0AF45C1E}"/>
+              </a:ext>
+            </a:extLst>
+          </p:cNvPr>
+          <p:cNvSpPr txBox="1"/>
+          <p:nvPr/>
+        </p:nvSpPr>
+        <p:spPr>
+          <a:xfrm>
+            <a:off x="124837" y="6451715"/>
+            <a:ext cx="5532120" cy="461665"/>
+          </a:xfrm>
+          <a:prstGeom prst="rect">
+            <a:avLst/>
+          </a:prstGeom>
+          <a:noFill/>
+        </p:spPr>
+        <p:txBody>
+          <a:bodyPr wrap="square">
+            <a:spAutoFit/>
+          </a:bodyPr>
+          <a:lstStyle/>
+          <a:p>
+            <a:pPr algn="l"/>
+            <a:r>
+              <a:rPr lang="th-TH" sz="2400" dirty="0">
+                <a:solidFill>
+                  <a:schemeClr val="bg1"/>
+                </a:solidFill>
+                <a:latin typeface="TH SarabunPSK" panose="020B0500040200020003" pitchFamily="34" charset="-34"/>
+                <a:cs typeface="TH SarabunPSK" panose="020B0500040200020003" pitchFamily="34" charset="-34"/>
+              </a:rPr>
+              <a:t>โดย ผศ</a:t>
+            </a:r>
+            <a:r>
+              <a:rPr lang="en-US" sz="2400" dirty="0">
+                <a:solidFill>
+                  <a:schemeClr val="bg1"/>
+                </a:solidFill>
+                <a:latin typeface="TH SarabunPSK" panose="020B0500040200020003" pitchFamily="34" charset="-34"/>
+                <a:cs typeface="TH SarabunPSK" panose="020B0500040200020003" pitchFamily="34" charset="-34"/>
+              </a:rPr>
+              <a:t>. </a:t>
+            </a:r>
+            <a:r>
+              <a:rPr lang="th-TH" sz="2400" dirty="0">
+                <a:solidFill>
+                  <a:schemeClr val="bg1"/>
+                </a:solidFill>
+                <a:latin typeface="TH SarabunPSK" panose="020B0500040200020003" pitchFamily="34" charset="-34"/>
+                <a:cs typeface="TH SarabunPSK" panose="020B0500040200020003" pitchFamily="34" charset="-34"/>
+              </a:rPr>
+              <a:t>ดร</a:t>
+            </a:r>
+            <a:r>
+              <a:rPr lang="en-US" sz="2400" dirty="0">
+                <a:solidFill>
+                  <a:schemeClr val="bg1"/>
+                </a:solidFill>
+                <a:latin typeface="TH SarabunPSK" panose="020B0500040200020003" pitchFamily="34" charset="-34"/>
+                <a:cs typeface="TH SarabunPSK" panose="020B0500040200020003" pitchFamily="34" charset="-34"/>
+              </a:rPr>
+              <a:t>.</a:t>
+            </a:r>
+            <a:r>
+              <a:rPr lang="th-TH" sz="2400" dirty="0">
+                <a:solidFill>
+                  <a:schemeClr val="bg1"/>
+                </a:solidFill>
+                <a:latin typeface="TH SarabunPSK" panose="020B0500040200020003" pitchFamily="34" charset="-34"/>
+                <a:cs typeface="TH SarabunPSK" panose="020B0500040200020003" pitchFamily="34" charset="-34"/>
+              </a:rPr>
+              <a:t>ธนพงศ์ อินทระ สาขาวิชาสถิติ มหาวิทยาลัยขอนแก่น </a:t>
+            </a:r>
+          </a:p>
+        </p:txBody>
+      </p:sp>
     </p:spTree>
     <p:extLst>
       <p:ext uri="{BB962C8B-B14F-4D97-AF65-F5344CB8AC3E}">
@@ -7526,6 +7936,88 @@
           </a:p>
         </p:txBody>
       </p:sp>
+      <p:sp>
+        <p:nvSpPr>
+          <p:cNvPr id="5" name="TextBox 4">
+            <a:extLst>
+              <a:ext uri="{FF2B5EF4-FFF2-40B4-BE49-F238E27FC236}">
+                <a16:creationId xmlns:a16="http://schemas.microsoft.com/office/drawing/2014/main" id="{BA4BA1DA-B53C-B934-5F20-CB9557F5DA95}"/>
+              </a:ext>
+            </a:extLst>
+          </p:cNvPr>
+          <p:cNvSpPr txBox="1"/>
+          <p:nvPr/>
+        </p:nvSpPr>
+        <p:spPr>
+          <a:xfrm>
+            <a:off x="124837" y="6451715"/>
+            <a:ext cx="5532120" cy="461665"/>
+          </a:xfrm>
+          <a:prstGeom prst="rect">
+            <a:avLst/>
+          </a:prstGeom>
+          <a:noFill/>
+        </p:spPr>
+        <p:txBody>
+          <a:bodyPr wrap="square">
+            <a:spAutoFit/>
+          </a:bodyPr>
+          <a:lstStyle/>
+          <a:p>
+            <a:pPr algn="l"/>
+            <a:r>
+              <a:rPr lang="th-TH" sz="2400" dirty="0">
+                <a:solidFill>
+                  <a:schemeClr val="bg1"/>
+                </a:solidFill>
+                <a:latin typeface="TH SarabunPSK" panose="020B0500040200020003" pitchFamily="34" charset="-34"/>
+                <a:cs typeface="TH SarabunPSK" panose="020B0500040200020003" pitchFamily="34" charset="-34"/>
+              </a:rPr>
+              <a:t>โดย ผศ</a:t>
+            </a:r>
+            <a:r>
+              <a:rPr lang="en-US" sz="2400" dirty="0">
+                <a:solidFill>
+                  <a:schemeClr val="bg1"/>
+                </a:solidFill>
+                <a:latin typeface="TH SarabunPSK" panose="020B0500040200020003" pitchFamily="34" charset="-34"/>
+                <a:cs typeface="TH SarabunPSK" panose="020B0500040200020003" pitchFamily="34" charset="-34"/>
+              </a:rPr>
+              <a:t>. </a:t>
+            </a:r>
+            <a:r>
+              <a:rPr lang="th-TH" sz="2400" dirty="0">
+                <a:solidFill>
+                  <a:schemeClr val="bg1"/>
+                </a:solidFill>
+                <a:latin typeface="TH SarabunPSK" panose="020B0500040200020003" pitchFamily="34" charset="-34"/>
+                <a:cs typeface="TH SarabunPSK" panose="020B0500040200020003" pitchFamily="34" charset="-34"/>
+              </a:rPr>
+              <a:t>ดร</a:t>
+            </a:r>
+            <a:r>
+              <a:rPr lang="en-US" sz="2400" dirty="0">
+                <a:solidFill>
+                  <a:schemeClr val="bg1"/>
+                </a:solidFill>
+                <a:latin typeface="TH SarabunPSK" panose="020B0500040200020003" pitchFamily="34" charset="-34"/>
+                <a:cs typeface="TH SarabunPSK" panose="020B0500040200020003" pitchFamily="34" charset="-34"/>
+              </a:rPr>
+              <a:t>.</a:t>
+            </a:r>
+            <a:r>
+              <a:rPr lang="th-TH" sz="2400" dirty="0">
+                <a:solidFill>
+                  <a:schemeClr val="bg1"/>
+                </a:solidFill>
+                <a:latin typeface="TH SarabunPSK" panose="020B0500040200020003" pitchFamily="34" charset="-34"/>
+                <a:cs typeface="TH SarabunPSK" panose="020B0500040200020003" pitchFamily="34" charset="-34"/>
+              </a:rPr>
+              <a:t>ธนพงศ์ อินทระ สาขาวิชาสถิติ มหาวิทยาลัยขอนแก่น </a:t>
+            </a:r>
+          </a:p>
+        </p:txBody>
+      </p:sp>
     </p:spTree>
     <p:extLst>
       <p:ext uri="{BB962C8B-B14F-4D97-AF65-F5344CB8AC3E}">
@@ -8099,6 +8591,88 @@
           </a:p>
         </p:txBody>
       </p:sp>
+      <p:sp>
+        <p:nvSpPr>
+          <p:cNvPr id="5" name="TextBox 4">
+            <a:extLst>
+              <a:ext uri="{FF2B5EF4-FFF2-40B4-BE49-F238E27FC236}">
+                <a16:creationId xmlns:a16="http://schemas.microsoft.com/office/drawing/2014/main" id="{01174084-AEF4-E2DA-9AF3-EA843B5463B7}"/>
+              </a:ext>
+            </a:extLst>
+          </p:cNvPr>
+          <p:cNvSpPr txBox="1"/>
+          <p:nvPr/>
+        </p:nvSpPr>
+        <p:spPr>
+          <a:xfrm>
+            <a:off x="124837" y="6451715"/>
+            <a:ext cx="5532120" cy="461665"/>
+          </a:xfrm>
+          <a:prstGeom prst="rect">
+            <a:avLst/>
+          </a:prstGeom>
+          <a:noFill/>
+        </p:spPr>
+        <p:txBody>
+          <a:bodyPr wrap="square">
+            <a:spAutoFit/>
+          </a:bodyPr>
+          <a:lstStyle/>
+          <a:p>
+            <a:pPr algn="l"/>
+            <a:r>
+              <a:rPr lang="th-TH" sz="2400" dirty="0">
+                <a:solidFill>
+                  <a:schemeClr val="bg1"/>
+                </a:solidFill>
+                <a:latin typeface="TH SarabunPSK" panose="020B0500040200020003" pitchFamily="34" charset="-34"/>
+                <a:cs typeface="TH SarabunPSK" panose="020B0500040200020003" pitchFamily="34" charset="-34"/>
+              </a:rPr>
+              <a:t>โดย ผศ</a:t>
+            </a:r>
+            <a:r>
+              <a:rPr lang="en-US" sz="2400" dirty="0">
+                <a:solidFill>
+                  <a:schemeClr val="bg1"/>
+                </a:solidFill>
+                <a:latin typeface="TH SarabunPSK" panose="020B0500040200020003" pitchFamily="34" charset="-34"/>
+                <a:cs typeface="TH SarabunPSK" panose="020B0500040200020003" pitchFamily="34" charset="-34"/>
+              </a:rPr>
+              <a:t>. </a:t>
+            </a:r>
+            <a:r>
+              <a:rPr lang="th-TH" sz="2400" dirty="0">
+                <a:solidFill>
+                  <a:schemeClr val="bg1"/>
+                </a:solidFill>
+                <a:latin typeface="TH SarabunPSK" panose="020B0500040200020003" pitchFamily="34" charset="-34"/>
+                <a:cs typeface="TH SarabunPSK" panose="020B0500040200020003" pitchFamily="34" charset="-34"/>
+              </a:rPr>
+              <a:t>ดร</a:t>
+            </a:r>
+            <a:r>
+              <a:rPr lang="en-US" sz="2400" dirty="0">
+                <a:solidFill>
+                  <a:schemeClr val="bg1"/>
+                </a:solidFill>
+                <a:latin typeface="TH SarabunPSK" panose="020B0500040200020003" pitchFamily="34" charset="-34"/>
+                <a:cs typeface="TH SarabunPSK" panose="020B0500040200020003" pitchFamily="34" charset="-34"/>
+              </a:rPr>
+              <a:t>.</a:t>
+            </a:r>
+            <a:r>
+              <a:rPr lang="th-TH" sz="2400" dirty="0">
+                <a:solidFill>
+                  <a:schemeClr val="bg1"/>
+                </a:solidFill>
+                <a:latin typeface="TH SarabunPSK" panose="020B0500040200020003" pitchFamily="34" charset="-34"/>
+                <a:cs typeface="TH SarabunPSK" panose="020B0500040200020003" pitchFamily="34" charset="-34"/>
+              </a:rPr>
+              <a:t>ธนพงศ์ อินทระ สาขาวิชาสถิติ มหาวิทยาลัยขอนแก่น </a:t>
+            </a:r>
+          </a:p>
+        </p:txBody>
+      </p:sp>
     </p:spTree>
     <p:extLst>
       <p:ext uri="{BB962C8B-B14F-4D97-AF65-F5344CB8AC3E}">
@@ -8891,6 +9465,88 @@
           </a:p>
         </p:txBody>
       </p:sp>
+      <p:sp>
+        <p:nvSpPr>
+          <p:cNvPr id="4" name="TextBox 3">
+            <a:extLst>
+              <a:ext uri="{FF2B5EF4-FFF2-40B4-BE49-F238E27FC236}">
+                <a16:creationId xmlns:a16="http://schemas.microsoft.com/office/drawing/2014/main" id="{FC018D31-6076-B180-A381-0AA1B2D95018}"/>
+              </a:ext>
+            </a:extLst>
+          </p:cNvPr>
+          <p:cNvSpPr txBox="1"/>
+          <p:nvPr/>
+        </p:nvSpPr>
+        <p:spPr>
+          <a:xfrm>
+            <a:off x="124837" y="6451715"/>
+            <a:ext cx="5532120" cy="461665"/>
+          </a:xfrm>
+          <a:prstGeom prst="rect">
+            <a:avLst/>
+          </a:prstGeom>
+          <a:noFill/>
+        </p:spPr>
+        <p:txBody>
+          <a:bodyPr wrap="square">
+            <a:spAutoFit/>
+          </a:bodyPr>
+          <a:lstStyle/>
+          <a:p>
+            <a:pPr algn="l"/>
+            <a:r>
+              <a:rPr lang="th-TH" sz="2400" dirty="0">
+                <a:solidFill>
+                  <a:schemeClr val="bg1"/>
+                </a:solidFill>
+                <a:latin typeface="TH SarabunPSK" panose="020B0500040200020003" pitchFamily="34" charset="-34"/>
+                <a:cs typeface="TH SarabunPSK" panose="020B0500040200020003" pitchFamily="34" charset="-34"/>
+              </a:rPr>
+              <a:t>โดย ผศ</a:t>
+            </a:r>
+            <a:r>
+              <a:rPr lang="en-US" sz="2400" dirty="0">
+                <a:solidFill>
+                  <a:schemeClr val="bg1"/>
+                </a:solidFill>
+                <a:latin typeface="TH SarabunPSK" panose="020B0500040200020003" pitchFamily="34" charset="-34"/>
+                <a:cs typeface="TH SarabunPSK" panose="020B0500040200020003" pitchFamily="34" charset="-34"/>
+              </a:rPr>
+              <a:t>. </a:t>
+            </a:r>
+            <a:r>
+              <a:rPr lang="th-TH" sz="2400" dirty="0">
+                <a:solidFill>
+                  <a:schemeClr val="bg1"/>
+                </a:solidFill>
+                <a:latin typeface="TH SarabunPSK" panose="020B0500040200020003" pitchFamily="34" charset="-34"/>
+                <a:cs typeface="TH SarabunPSK" panose="020B0500040200020003" pitchFamily="34" charset="-34"/>
+              </a:rPr>
+              <a:t>ดร</a:t>
+            </a:r>
+            <a:r>
+              <a:rPr lang="en-US" sz="2400" dirty="0">
+                <a:solidFill>
+                  <a:schemeClr val="bg1"/>
+                </a:solidFill>
+                <a:latin typeface="TH SarabunPSK" panose="020B0500040200020003" pitchFamily="34" charset="-34"/>
+                <a:cs typeface="TH SarabunPSK" panose="020B0500040200020003" pitchFamily="34" charset="-34"/>
+              </a:rPr>
+              <a:t>.</a:t>
+            </a:r>
+            <a:r>
+              <a:rPr lang="th-TH" sz="2400" dirty="0">
+                <a:solidFill>
+                  <a:schemeClr val="bg1"/>
+                </a:solidFill>
+                <a:latin typeface="TH SarabunPSK" panose="020B0500040200020003" pitchFamily="34" charset="-34"/>
+                <a:cs typeface="TH SarabunPSK" panose="020B0500040200020003" pitchFamily="34" charset="-34"/>
+              </a:rPr>
+              <a:t>ธนพงศ์ อินทระ สาขาวิชาสถิติ มหาวิทยาลัยขอนแก่น </a:t>
+            </a:r>
+          </a:p>
+        </p:txBody>
+      </p:sp>
     </p:spTree>
     <p:extLst>
       <p:ext uri="{BB962C8B-B14F-4D97-AF65-F5344CB8AC3E}">
@@ -9650,6 +10306,88 @@
           </a:p>
         </p:txBody>
       </p:sp>
+      <p:sp>
+        <p:nvSpPr>
+          <p:cNvPr id="5" name="TextBox 4">
+            <a:extLst>
+              <a:ext uri="{FF2B5EF4-FFF2-40B4-BE49-F238E27FC236}">
+                <a16:creationId xmlns:a16="http://schemas.microsoft.com/office/drawing/2014/main" id="{2361BDE7-00A4-30F9-8504-722E0DF66EBE}"/>
+              </a:ext>
+            </a:extLst>
+          </p:cNvPr>
+          <p:cNvSpPr txBox="1"/>
+          <p:nvPr/>
+        </p:nvSpPr>
+        <p:spPr>
+          <a:xfrm>
+            <a:off x="124837" y="6451715"/>
+            <a:ext cx="5532120" cy="461665"/>
+          </a:xfrm>
+          <a:prstGeom prst="rect">
+            <a:avLst/>
+          </a:prstGeom>
+          <a:noFill/>
+        </p:spPr>
+        <p:txBody>
+          <a:bodyPr wrap="square">
+            <a:spAutoFit/>
+          </a:bodyPr>
+          <a:lstStyle/>
+          <a:p>
+            <a:pPr algn="l"/>
+            <a:r>
+              <a:rPr lang="th-TH" sz="2400" dirty="0">
+                <a:solidFill>
+                  <a:schemeClr val="bg1"/>
+                </a:solidFill>
+                <a:latin typeface="TH SarabunPSK" panose="020B0500040200020003" pitchFamily="34" charset="-34"/>
+                <a:cs typeface="TH SarabunPSK" panose="020B0500040200020003" pitchFamily="34" charset="-34"/>
+              </a:rPr>
+              <a:t>โดย ผศ</a:t>
+            </a:r>
+            <a:r>
+              <a:rPr lang="en-US" sz="2400" dirty="0">
+                <a:solidFill>
+                  <a:schemeClr val="bg1"/>
+                </a:solidFill>
+                <a:latin typeface="TH SarabunPSK" panose="020B0500040200020003" pitchFamily="34" charset="-34"/>
+                <a:cs typeface="TH SarabunPSK" panose="020B0500040200020003" pitchFamily="34" charset="-34"/>
+              </a:rPr>
+              <a:t>. </a:t>
+            </a:r>
+            <a:r>
+              <a:rPr lang="th-TH" sz="2400" dirty="0">
+                <a:solidFill>
+                  <a:schemeClr val="bg1"/>
+                </a:solidFill>
+                <a:latin typeface="TH SarabunPSK" panose="020B0500040200020003" pitchFamily="34" charset="-34"/>
+                <a:cs typeface="TH SarabunPSK" panose="020B0500040200020003" pitchFamily="34" charset="-34"/>
+              </a:rPr>
+              <a:t>ดร</a:t>
+            </a:r>
+            <a:r>
+              <a:rPr lang="en-US" sz="2400" dirty="0">
+                <a:solidFill>
+                  <a:schemeClr val="bg1"/>
+                </a:solidFill>
+                <a:latin typeface="TH SarabunPSK" panose="020B0500040200020003" pitchFamily="34" charset="-34"/>
+                <a:cs typeface="TH SarabunPSK" panose="020B0500040200020003" pitchFamily="34" charset="-34"/>
+              </a:rPr>
+              <a:t>.</a:t>
+            </a:r>
+            <a:r>
+              <a:rPr lang="th-TH" sz="2400" dirty="0">
+                <a:solidFill>
+                  <a:schemeClr val="bg1"/>
+                </a:solidFill>
+                <a:latin typeface="TH SarabunPSK" panose="020B0500040200020003" pitchFamily="34" charset="-34"/>
+                <a:cs typeface="TH SarabunPSK" panose="020B0500040200020003" pitchFamily="34" charset="-34"/>
+              </a:rPr>
+              <a:t>ธนพงศ์ อินทระ สาขาวิชาสถิติ มหาวิทยาลัยขอนแก่น </a:t>
+            </a:r>
+          </a:p>
+        </p:txBody>
+      </p:sp>
     </p:spTree>
     <p:extLst>
       <p:ext uri="{BB962C8B-B14F-4D97-AF65-F5344CB8AC3E}">
@@ -10735,6 +11473,88 @@
           </a:p>
         </p:txBody>
       </p:sp>
+      <p:sp>
+        <p:nvSpPr>
+          <p:cNvPr id="4" name="TextBox 3">
+            <a:extLst>
+              <a:ext uri="{FF2B5EF4-FFF2-40B4-BE49-F238E27FC236}">
+                <a16:creationId xmlns:a16="http://schemas.microsoft.com/office/drawing/2014/main" id="{4400D1B3-D8F3-1614-52B7-AA4466CC6D4B}"/>
+              </a:ext>
+            </a:extLst>
+          </p:cNvPr>
+          <p:cNvSpPr txBox="1"/>
+          <p:nvPr/>
+        </p:nvSpPr>
+        <p:spPr>
+          <a:xfrm>
+            <a:off x="124837" y="6451715"/>
+            <a:ext cx="5532120" cy="461665"/>
+          </a:xfrm>
+          <a:prstGeom prst="rect">
+            <a:avLst/>
+          </a:prstGeom>
+          <a:noFill/>
+        </p:spPr>
+        <p:txBody>
+          <a:bodyPr wrap="square">
+            <a:spAutoFit/>
+          </a:bodyPr>
+          <a:lstStyle/>
+          <a:p>
+            <a:pPr algn="l"/>
+            <a:r>
+              <a:rPr lang="th-TH" sz="2400" dirty="0">
+                <a:solidFill>
+                  <a:schemeClr val="bg1"/>
+                </a:solidFill>
+                <a:latin typeface="TH SarabunPSK" panose="020B0500040200020003" pitchFamily="34" charset="-34"/>
+                <a:cs typeface="TH SarabunPSK" panose="020B0500040200020003" pitchFamily="34" charset="-34"/>
+              </a:rPr>
+              <a:t>โดย ผศ</a:t>
+            </a:r>
+            <a:r>
+              <a:rPr lang="en-US" sz="2400" dirty="0">
+                <a:solidFill>
+                  <a:schemeClr val="bg1"/>
+                </a:solidFill>
+                <a:latin typeface="TH SarabunPSK" panose="020B0500040200020003" pitchFamily="34" charset="-34"/>
+                <a:cs typeface="TH SarabunPSK" panose="020B0500040200020003" pitchFamily="34" charset="-34"/>
+              </a:rPr>
+              <a:t>. </a:t>
+            </a:r>
+            <a:r>
+              <a:rPr lang="th-TH" sz="2400" dirty="0">
+                <a:solidFill>
+                  <a:schemeClr val="bg1"/>
+                </a:solidFill>
+                <a:latin typeface="TH SarabunPSK" panose="020B0500040200020003" pitchFamily="34" charset="-34"/>
+                <a:cs typeface="TH SarabunPSK" panose="020B0500040200020003" pitchFamily="34" charset="-34"/>
+              </a:rPr>
+              <a:t>ดร</a:t>
+            </a:r>
+            <a:r>
+              <a:rPr lang="en-US" sz="2400" dirty="0">
+                <a:solidFill>
+                  <a:schemeClr val="bg1"/>
+                </a:solidFill>
+                <a:latin typeface="TH SarabunPSK" panose="020B0500040200020003" pitchFamily="34" charset="-34"/>
+                <a:cs typeface="TH SarabunPSK" panose="020B0500040200020003" pitchFamily="34" charset="-34"/>
+              </a:rPr>
+              <a:t>.</a:t>
+            </a:r>
+            <a:r>
+              <a:rPr lang="th-TH" sz="2400" dirty="0">
+                <a:solidFill>
+                  <a:schemeClr val="bg1"/>
+                </a:solidFill>
+                <a:latin typeface="TH SarabunPSK" panose="020B0500040200020003" pitchFamily="34" charset="-34"/>
+                <a:cs typeface="TH SarabunPSK" panose="020B0500040200020003" pitchFamily="34" charset="-34"/>
+              </a:rPr>
+              <a:t>ธนพงศ์ อินทระ สาขาวิชาสถิติ มหาวิทยาลัยขอนแก่น </a:t>
+            </a:r>
+          </a:p>
+        </p:txBody>
+      </p:sp>
     </p:spTree>
     <p:extLst>
       <p:ext uri="{BB962C8B-B14F-4D97-AF65-F5344CB8AC3E}">
@@ -11877,6 +12697,88 @@
           </a:p>
         </p:txBody>
       </p:sp>
+      <p:sp>
+        <p:nvSpPr>
+          <p:cNvPr id="5" name="TextBox 4">
+            <a:extLst>
+              <a:ext uri="{FF2B5EF4-FFF2-40B4-BE49-F238E27FC236}">
+                <a16:creationId xmlns:a16="http://schemas.microsoft.com/office/drawing/2014/main" id="{42400BC6-39C2-EE4A-87DE-A499A8126ECA}"/>
+              </a:ext>
+            </a:extLst>
+          </p:cNvPr>
+          <p:cNvSpPr txBox="1"/>
+          <p:nvPr/>
+        </p:nvSpPr>
+        <p:spPr>
+          <a:xfrm>
+            <a:off x="124837" y="6451715"/>
+            <a:ext cx="5532120" cy="461665"/>
+          </a:xfrm>
+          <a:prstGeom prst="rect">
+            <a:avLst/>
+          </a:prstGeom>
+          <a:noFill/>
+        </p:spPr>
+        <p:txBody>
+          <a:bodyPr wrap="square">
+            <a:spAutoFit/>
+          </a:bodyPr>
+          <a:lstStyle/>
+          <a:p>
+            <a:pPr algn="l"/>
+            <a:r>
+              <a:rPr lang="th-TH" sz="2400" dirty="0">
+                <a:solidFill>
+                  <a:schemeClr val="bg1"/>
+                </a:solidFill>
+                <a:latin typeface="TH SarabunPSK" panose="020B0500040200020003" pitchFamily="34" charset="-34"/>
+                <a:cs typeface="TH SarabunPSK" panose="020B0500040200020003" pitchFamily="34" charset="-34"/>
+              </a:rPr>
+              <a:t>โดย ผศ</a:t>
+            </a:r>
+            <a:r>
+              <a:rPr lang="en-US" sz="2400" dirty="0">
+                <a:solidFill>
+                  <a:schemeClr val="bg1"/>
+                </a:solidFill>
+                <a:latin typeface="TH SarabunPSK" panose="020B0500040200020003" pitchFamily="34" charset="-34"/>
+                <a:cs typeface="TH SarabunPSK" panose="020B0500040200020003" pitchFamily="34" charset="-34"/>
+              </a:rPr>
+              <a:t>. </a:t>
+            </a:r>
+            <a:r>
+              <a:rPr lang="th-TH" sz="2400" dirty="0">
+                <a:solidFill>
+                  <a:schemeClr val="bg1"/>
+                </a:solidFill>
+                <a:latin typeface="TH SarabunPSK" panose="020B0500040200020003" pitchFamily="34" charset="-34"/>
+                <a:cs typeface="TH SarabunPSK" panose="020B0500040200020003" pitchFamily="34" charset="-34"/>
+              </a:rPr>
+              <a:t>ดร</a:t>
+            </a:r>
+            <a:r>
+              <a:rPr lang="en-US" sz="2400" dirty="0">
+                <a:solidFill>
+                  <a:schemeClr val="bg1"/>
+                </a:solidFill>
+                <a:latin typeface="TH SarabunPSK" panose="020B0500040200020003" pitchFamily="34" charset="-34"/>
+                <a:cs typeface="TH SarabunPSK" panose="020B0500040200020003" pitchFamily="34" charset="-34"/>
+              </a:rPr>
+              <a:t>.</a:t>
+            </a:r>
+            <a:r>
+              <a:rPr lang="th-TH" sz="2400" dirty="0">
+                <a:solidFill>
+                  <a:schemeClr val="bg1"/>
+                </a:solidFill>
+                <a:latin typeface="TH SarabunPSK" panose="020B0500040200020003" pitchFamily="34" charset="-34"/>
+                <a:cs typeface="TH SarabunPSK" panose="020B0500040200020003" pitchFamily="34" charset="-34"/>
+              </a:rPr>
+              <a:t>ธนพงศ์ อินทระ สาขาวิชาสถิติ มหาวิทยาลัยขอนแก่น </a:t>
+            </a:r>
+          </a:p>
+        </p:txBody>
+      </p:sp>
     </p:spTree>
     <p:extLst>
       <p:ext uri="{BB962C8B-B14F-4D97-AF65-F5344CB8AC3E}">
@@ -12389,6 +13291,88 @@
           </a:prstGeom>
         </p:spPr>
       </p:pic>
+      <p:sp>
+        <p:nvSpPr>
+          <p:cNvPr id="5" name="TextBox 4">
+            <a:extLst>
+              <a:ext uri="{FF2B5EF4-FFF2-40B4-BE49-F238E27FC236}">
+                <a16:creationId xmlns:a16="http://schemas.microsoft.com/office/drawing/2014/main" id="{5D31419F-CF13-BED6-96E5-782C2180D889}"/>
+              </a:ext>
+            </a:extLst>
+          </p:cNvPr>
+          <p:cNvSpPr txBox="1"/>
+          <p:nvPr/>
+        </p:nvSpPr>
+        <p:spPr>
+          <a:xfrm>
+            <a:off x="124837" y="6451715"/>
+            <a:ext cx="5532120" cy="461665"/>
+          </a:xfrm>
+          <a:prstGeom prst="rect">
+            <a:avLst/>
+          </a:prstGeom>
+          <a:noFill/>
+        </p:spPr>
+        <p:txBody>
+          <a:bodyPr wrap="square">
+            <a:spAutoFit/>
+          </a:bodyPr>
+          <a:lstStyle/>
+          <a:p>
+            <a:pPr algn="l"/>
+            <a:r>
+              <a:rPr lang="th-TH" sz="2400" dirty="0">
+                <a:solidFill>
+                  <a:schemeClr val="bg1"/>
+                </a:solidFill>
+                <a:latin typeface="TH SarabunPSK" panose="020B0500040200020003" pitchFamily="34" charset="-34"/>
+                <a:cs typeface="TH SarabunPSK" panose="020B0500040200020003" pitchFamily="34" charset="-34"/>
+              </a:rPr>
+              <a:t>โดย ผศ</a:t>
+            </a:r>
+            <a:r>
+              <a:rPr lang="en-US" sz="2400" dirty="0">
+                <a:solidFill>
+                  <a:schemeClr val="bg1"/>
+                </a:solidFill>
+                <a:latin typeface="TH SarabunPSK" panose="020B0500040200020003" pitchFamily="34" charset="-34"/>
+                <a:cs typeface="TH SarabunPSK" panose="020B0500040200020003" pitchFamily="34" charset="-34"/>
+              </a:rPr>
+              <a:t>. </a:t>
+            </a:r>
+            <a:r>
+              <a:rPr lang="th-TH" sz="2400" dirty="0">
+                <a:solidFill>
+                  <a:schemeClr val="bg1"/>
+                </a:solidFill>
+                <a:latin typeface="TH SarabunPSK" panose="020B0500040200020003" pitchFamily="34" charset="-34"/>
+                <a:cs typeface="TH SarabunPSK" panose="020B0500040200020003" pitchFamily="34" charset="-34"/>
+              </a:rPr>
+              <a:t>ดร</a:t>
+            </a:r>
+            <a:r>
+              <a:rPr lang="en-US" sz="2400" dirty="0">
+                <a:solidFill>
+                  <a:schemeClr val="bg1"/>
+                </a:solidFill>
+                <a:latin typeface="TH SarabunPSK" panose="020B0500040200020003" pitchFamily="34" charset="-34"/>
+                <a:cs typeface="TH SarabunPSK" panose="020B0500040200020003" pitchFamily="34" charset="-34"/>
+              </a:rPr>
+              <a:t>.</a:t>
+            </a:r>
+            <a:r>
+              <a:rPr lang="th-TH" sz="2400" dirty="0">
+                <a:solidFill>
+                  <a:schemeClr val="bg1"/>
+                </a:solidFill>
+                <a:latin typeface="TH SarabunPSK" panose="020B0500040200020003" pitchFamily="34" charset="-34"/>
+                <a:cs typeface="TH SarabunPSK" panose="020B0500040200020003" pitchFamily="34" charset="-34"/>
+              </a:rPr>
+              <a:t>ธนพงศ์ อินทระ สาขาวิชาสถิติ มหาวิทยาลัยขอนแก่น </a:t>
+            </a:r>
+          </a:p>
+        </p:txBody>
+      </p:sp>
     </p:spTree>
     <p:extLst>
       <p:ext uri="{BB962C8B-B14F-4D97-AF65-F5344CB8AC3E}">
@@ -13553,6 +14537,88 @@
           </a:p>
         </p:txBody>
       </p:sp>
+      <p:sp>
+        <p:nvSpPr>
+          <p:cNvPr id="4" name="TextBox 3">
+            <a:extLst>
+              <a:ext uri="{FF2B5EF4-FFF2-40B4-BE49-F238E27FC236}">
+                <a16:creationId xmlns:a16="http://schemas.microsoft.com/office/drawing/2014/main" id="{DA9DB076-8C8F-FB59-4FA1-C3C92078D7EC}"/>
+              </a:ext>
+            </a:extLst>
+          </p:cNvPr>
+          <p:cNvSpPr txBox="1"/>
+          <p:nvPr/>
+        </p:nvSpPr>
+        <p:spPr>
+          <a:xfrm>
+            <a:off x="124837" y="6451715"/>
+            <a:ext cx="5532120" cy="461665"/>
+          </a:xfrm>
+          <a:prstGeom prst="rect">
+            <a:avLst/>
+          </a:prstGeom>
+          <a:noFill/>
+        </p:spPr>
+        <p:txBody>
+          <a:bodyPr wrap="square">
+            <a:spAutoFit/>
+          </a:bodyPr>
+          <a:lstStyle/>
+          <a:p>
+            <a:pPr algn="l"/>
+            <a:r>
+              <a:rPr lang="th-TH" sz="2400" dirty="0">
+                <a:solidFill>
+                  <a:schemeClr val="bg1"/>
+                </a:solidFill>
+                <a:latin typeface="TH SarabunPSK" panose="020B0500040200020003" pitchFamily="34" charset="-34"/>
+                <a:cs typeface="TH SarabunPSK" panose="020B0500040200020003" pitchFamily="34" charset="-34"/>
+              </a:rPr>
+              <a:t>โดย ผศ</a:t>
+            </a:r>
+            <a:r>
+              <a:rPr lang="en-US" sz="2400" dirty="0">
+                <a:solidFill>
+                  <a:schemeClr val="bg1"/>
+                </a:solidFill>
+                <a:latin typeface="TH SarabunPSK" panose="020B0500040200020003" pitchFamily="34" charset="-34"/>
+                <a:cs typeface="TH SarabunPSK" panose="020B0500040200020003" pitchFamily="34" charset="-34"/>
+              </a:rPr>
+              <a:t>. </a:t>
+            </a:r>
+            <a:r>
+              <a:rPr lang="th-TH" sz="2400" dirty="0">
+                <a:solidFill>
+                  <a:schemeClr val="bg1"/>
+                </a:solidFill>
+                <a:latin typeface="TH SarabunPSK" panose="020B0500040200020003" pitchFamily="34" charset="-34"/>
+                <a:cs typeface="TH SarabunPSK" panose="020B0500040200020003" pitchFamily="34" charset="-34"/>
+              </a:rPr>
+              <a:t>ดร</a:t>
+            </a:r>
+            <a:r>
+              <a:rPr lang="en-US" sz="2400" dirty="0">
+                <a:solidFill>
+                  <a:schemeClr val="bg1"/>
+                </a:solidFill>
+                <a:latin typeface="TH SarabunPSK" panose="020B0500040200020003" pitchFamily="34" charset="-34"/>
+                <a:cs typeface="TH SarabunPSK" panose="020B0500040200020003" pitchFamily="34" charset="-34"/>
+              </a:rPr>
+              <a:t>.</a:t>
+            </a:r>
+            <a:r>
+              <a:rPr lang="th-TH" sz="2400" dirty="0">
+                <a:solidFill>
+                  <a:schemeClr val="bg1"/>
+                </a:solidFill>
+                <a:latin typeface="TH SarabunPSK" panose="020B0500040200020003" pitchFamily="34" charset="-34"/>
+                <a:cs typeface="TH SarabunPSK" panose="020B0500040200020003" pitchFamily="34" charset="-34"/>
+              </a:rPr>
+              <a:t>ธนพงศ์ อินทระ สาขาวิชาสถิติ มหาวิทยาลัยขอนแก่น </a:t>
+            </a:r>
+          </a:p>
+        </p:txBody>
+      </p:sp>
     </p:spTree>
     <p:extLst>
       <p:ext uri="{BB962C8B-B14F-4D97-AF65-F5344CB8AC3E}">
@@ -15044,6 +16110,88 @@
           </a:p>
         </p:txBody>
       </p:sp>
+      <p:sp>
+        <p:nvSpPr>
+          <p:cNvPr id="4" name="TextBox 3">
+            <a:extLst>
+              <a:ext uri="{FF2B5EF4-FFF2-40B4-BE49-F238E27FC236}">
+                <a16:creationId xmlns:a16="http://schemas.microsoft.com/office/drawing/2014/main" id="{AC990B69-DBF9-3ABD-2CD8-7842F71AE358}"/>
+              </a:ext>
+            </a:extLst>
+          </p:cNvPr>
+          <p:cNvSpPr txBox="1"/>
+          <p:nvPr/>
+        </p:nvSpPr>
+        <p:spPr>
+          <a:xfrm>
+            <a:off x="124837" y="6451715"/>
+            <a:ext cx="5532120" cy="461665"/>
+          </a:xfrm>
+          <a:prstGeom prst="rect">
+            <a:avLst/>
+          </a:prstGeom>
+          <a:noFill/>
+        </p:spPr>
+        <p:txBody>
+          <a:bodyPr wrap="square">
+            <a:spAutoFit/>
+          </a:bodyPr>
+          <a:lstStyle/>
+          <a:p>
+            <a:pPr algn="l"/>
+            <a:r>
+              <a:rPr lang="th-TH" sz="2400" dirty="0">
+                <a:solidFill>
+                  <a:schemeClr val="bg1"/>
+                </a:solidFill>
+                <a:latin typeface="TH SarabunPSK" panose="020B0500040200020003" pitchFamily="34" charset="-34"/>
+                <a:cs typeface="TH SarabunPSK" panose="020B0500040200020003" pitchFamily="34" charset="-34"/>
+              </a:rPr>
+              <a:t>โดย ผศ</a:t>
+            </a:r>
+            <a:r>
+              <a:rPr lang="en-US" sz="2400" dirty="0">
+                <a:solidFill>
+                  <a:schemeClr val="bg1"/>
+                </a:solidFill>
+                <a:latin typeface="TH SarabunPSK" panose="020B0500040200020003" pitchFamily="34" charset="-34"/>
+                <a:cs typeface="TH SarabunPSK" panose="020B0500040200020003" pitchFamily="34" charset="-34"/>
+              </a:rPr>
+              <a:t>. </a:t>
+            </a:r>
+            <a:r>
+              <a:rPr lang="th-TH" sz="2400" dirty="0">
+                <a:solidFill>
+                  <a:schemeClr val="bg1"/>
+                </a:solidFill>
+                <a:latin typeface="TH SarabunPSK" panose="020B0500040200020003" pitchFamily="34" charset="-34"/>
+                <a:cs typeface="TH SarabunPSK" panose="020B0500040200020003" pitchFamily="34" charset="-34"/>
+              </a:rPr>
+              <a:t>ดร</a:t>
+            </a:r>
+            <a:r>
+              <a:rPr lang="en-US" sz="2400" dirty="0">
+                <a:solidFill>
+                  <a:schemeClr val="bg1"/>
+                </a:solidFill>
+                <a:latin typeface="TH SarabunPSK" panose="020B0500040200020003" pitchFamily="34" charset="-34"/>
+                <a:cs typeface="TH SarabunPSK" panose="020B0500040200020003" pitchFamily="34" charset="-34"/>
+              </a:rPr>
+              <a:t>.</a:t>
+            </a:r>
+            <a:r>
+              <a:rPr lang="th-TH" sz="2400" dirty="0">
+                <a:solidFill>
+                  <a:schemeClr val="bg1"/>
+                </a:solidFill>
+                <a:latin typeface="TH SarabunPSK" panose="020B0500040200020003" pitchFamily="34" charset="-34"/>
+                <a:cs typeface="TH SarabunPSK" panose="020B0500040200020003" pitchFamily="34" charset="-34"/>
+              </a:rPr>
+              <a:t>ธนพงศ์ อินทระ สาขาวิชาสถิติ มหาวิทยาลัยขอนแก่น </a:t>
+            </a:r>
+          </a:p>
+        </p:txBody>
+      </p:sp>
     </p:spTree>
     <p:extLst>
       <p:ext uri="{BB962C8B-B14F-4D97-AF65-F5344CB8AC3E}">
@@ -15895,6 +17043,88 @@
           </a:p>
         </p:txBody>
       </p:sp>
+      <p:sp>
+        <p:nvSpPr>
+          <p:cNvPr id="5" name="TextBox 4">
+            <a:extLst>
+              <a:ext uri="{FF2B5EF4-FFF2-40B4-BE49-F238E27FC236}">
+                <a16:creationId xmlns:a16="http://schemas.microsoft.com/office/drawing/2014/main" id="{8E911071-B2EC-224F-F871-049A566A7031}"/>
+              </a:ext>
+            </a:extLst>
+          </p:cNvPr>
+          <p:cNvSpPr txBox="1"/>
+          <p:nvPr/>
+        </p:nvSpPr>
+        <p:spPr>
+          <a:xfrm>
+            <a:off x="124837" y="6451715"/>
+            <a:ext cx="5532120" cy="461665"/>
+          </a:xfrm>
+          <a:prstGeom prst="rect">
+            <a:avLst/>
+          </a:prstGeom>
+          <a:noFill/>
+        </p:spPr>
+        <p:txBody>
+          <a:bodyPr wrap="square">
+            <a:spAutoFit/>
+          </a:bodyPr>
+          <a:lstStyle/>
+          <a:p>
+            <a:pPr algn="l"/>
+            <a:r>
+              <a:rPr lang="th-TH" sz="2400" dirty="0">
+                <a:solidFill>
+                  <a:schemeClr val="bg1"/>
+                </a:solidFill>
+                <a:latin typeface="TH SarabunPSK" panose="020B0500040200020003" pitchFamily="34" charset="-34"/>
+                <a:cs typeface="TH SarabunPSK" panose="020B0500040200020003" pitchFamily="34" charset="-34"/>
+              </a:rPr>
+              <a:t>โดย ผศ</a:t>
+            </a:r>
+            <a:r>
+              <a:rPr lang="en-US" sz="2400" dirty="0">
+                <a:solidFill>
+                  <a:schemeClr val="bg1"/>
+                </a:solidFill>
+                <a:latin typeface="TH SarabunPSK" panose="020B0500040200020003" pitchFamily="34" charset="-34"/>
+                <a:cs typeface="TH SarabunPSK" panose="020B0500040200020003" pitchFamily="34" charset="-34"/>
+              </a:rPr>
+              <a:t>. </a:t>
+            </a:r>
+            <a:r>
+              <a:rPr lang="th-TH" sz="2400" dirty="0">
+                <a:solidFill>
+                  <a:schemeClr val="bg1"/>
+                </a:solidFill>
+                <a:latin typeface="TH SarabunPSK" panose="020B0500040200020003" pitchFamily="34" charset="-34"/>
+                <a:cs typeface="TH SarabunPSK" panose="020B0500040200020003" pitchFamily="34" charset="-34"/>
+              </a:rPr>
+              <a:t>ดร</a:t>
+            </a:r>
+            <a:r>
+              <a:rPr lang="en-US" sz="2400" dirty="0">
+                <a:solidFill>
+                  <a:schemeClr val="bg1"/>
+                </a:solidFill>
+                <a:latin typeface="TH SarabunPSK" panose="020B0500040200020003" pitchFamily="34" charset="-34"/>
+                <a:cs typeface="TH SarabunPSK" panose="020B0500040200020003" pitchFamily="34" charset="-34"/>
+              </a:rPr>
+              <a:t>.</a:t>
+            </a:r>
+            <a:r>
+              <a:rPr lang="th-TH" sz="2400" dirty="0">
+                <a:solidFill>
+                  <a:schemeClr val="bg1"/>
+                </a:solidFill>
+                <a:latin typeface="TH SarabunPSK" panose="020B0500040200020003" pitchFamily="34" charset="-34"/>
+                <a:cs typeface="TH SarabunPSK" panose="020B0500040200020003" pitchFamily="34" charset="-34"/>
+              </a:rPr>
+              <a:t>ธนพงศ์ อินทระ สาขาวิชาสถิติ มหาวิทยาลัยขอนแก่น </a:t>
+            </a:r>
+          </a:p>
+        </p:txBody>
+      </p:sp>
     </p:spTree>
     <p:extLst>
       <p:ext uri="{BB962C8B-B14F-4D97-AF65-F5344CB8AC3E}">
@@ -16432,6 +17662,88 @@
           </a:p>
         </p:txBody>
       </p:sp>
+      <p:sp>
+        <p:nvSpPr>
+          <p:cNvPr id="5" name="TextBox 4">
+            <a:extLst>
+              <a:ext uri="{FF2B5EF4-FFF2-40B4-BE49-F238E27FC236}">
+                <a16:creationId xmlns:a16="http://schemas.microsoft.com/office/drawing/2014/main" id="{B3F10494-DD37-2B03-83AB-497B92A40632}"/>
+              </a:ext>
+            </a:extLst>
+          </p:cNvPr>
+          <p:cNvSpPr txBox="1"/>
+          <p:nvPr/>
+        </p:nvSpPr>
+        <p:spPr>
+          <a:xfrm>
+            <a:off x="124837" y="6451715"/>
+            <a:ext cx="5532120" cy="461665"/>
+          </a:xfrm>
+          <a:prstGeom prst="rect">
+            <a:avLst/>
+          </a:prstGeom>
+          <a:noFill/>
+        </p:spPr>
+        <p:txBody>
+          <a:bodyPr wrap="square">
+            <a:spAutoFit/>
+          </a:bodyPr>
+          <a:lstStyle/>
+          <a:p>
+            <a:pPr algn="l"/>
+            <a:r>
+              <a:rPr lang="th-TH" sz="2400" dirty="0">
+                <a:solidFill>
+                  <a:schemeClr val="bg1"/>
+                </a:solidFill>
+                <a:latin typeface="TH SarabunPSK" panose="020B0500040200020003" pitchFamily="34" charset="-34"/>
+                <a:cs typeface="TH SarabunPSK" panose="020B0500040200020003" pitchFamily="34" charset="-34"/>
+              </a:rPr>
+              <a:t>โดย ผศ</a:t>
+            </a:r>
+            <a:r>
+              <a:rPr lang="en-US" sz="2400" dirty="0">
+                <a:solidFill>
+                  <a:schemeClr val="bg1"/>
+                </a:solidFill>
+                <a:latin typeface="TH SarabunPSK" panose="020B0500040200020003" pitchFamily="34" charset="-34"/>
+                <a:cs typeface="TH SarabunPSK" panose="020B0500040200020003" pitchFamily="34" charset="-34"/>
+              </a:rPr>
+              <a:t>. </a:t>
+            </a:r>
+            <a:r>
+              <a:rPr lang="th-TH" sz="2400" dirty="0">
+                <a:solidFill>
+                  <a:schemeClr val="bg1"/>
+                </a:solidFill>
+                <a:latin typeface="TH SarabunPSK" panose="020B0500040200020003" pitchFamily="34" charset="-34"/>
+                <a:cs typeface="TH SarabunPSK" panose="020B0500040200020003" pitchFamily="34" charset="-34"/>
+              </a:rPr>
+              <a:t>ดร</a:t>
+            </a:r>
+            <a:r>
+              <a:rPr lang="en-US" sz="2400" dirty="0">
+                <a:solidFill>
+                  <a:schemeClr val="bg1"/>
+                </a:solidFill>
+                <a:latin typeface="TH SarabunPSK" panose="020B0500040200020003" pitchFamily="34" charset="-34"/>
+                <a:cs typeface="TH SarabunPSK" panose="020B0500040200020003" pitchFamily="34" charset="-34"/>
+              </a:rPr>
+              <a:t>.</a:t>
+            </a:r>
+            <a:r>
+              <a:rPr lang="th-TH" sz="2400" dirty="0">
+                <a:solidFill>
+                  <a:schemeClr val="bg1"/>
+                </a:solidFill>
+                <a:latin typeface="TH SarabunPSK" panose="020B0500040200020003" pitchFamily="34" charset="-34"/>
+                <a:cs typeface="TH SarabunPSK" panose="020B0500040200020003" pitchFamily="34" charset="-34"/>
+              </a:rPr>
+              <a:t>ธนพงศ์ อินทระ สาขาวิชาสถิติ มหาวิทยาลัยขอนแก่น </a:t>
+            </a:r>
+          </a:p>
+        </p:txBody>
+      </p:sp>
     </p:spTree>
     <p:extLst>
       <p:ext uri="{BB962C8B-B14F-4D97-AF65-F5344CB8AC3E}">
@@ -17086,6 +18398,88 @@
           </a:p>
         </p:txBody>
       </p:sp>
+      <p:sp>
+        <p:nvSpPr>
+          <p:cNvPr id="5" name="TextBox 4">
+            <a:extLst>
+              <a:ext uri="{FF2B5EF4-FFF2-40B4-BE49-F238E27FC236}">
+                <a16:creationId xmlns:a16="http://schemas.microsoft.com/office/drawing/2014/main" id="{D08DD2B4-6442-E781-609A-4C6D08A1B2EE}"/>
+              </a:ext>
+            </a:extLst>
+          </p:cNvPr>
+          <p:cNvSpPr txBox="1"/>
+          <p:nvPr/>
+        </p:nvSpPr>
+        <p:spPr>
+          <a:xfrm>
+            <a:off x="124837" y="6451715"/>
+            <a:ext cx="5532120" cy="461665"/>
+          </a:xfrm>
+          <a:prstGeom prst="rect">
+            <a:avLst/>
+          </a:prstGeom>
+          <a:noFill/>
+        </p:spPr>
+        <p:txBody>
+          <a:bodyPr wrap="square">
+            <a:spAutoFit/>
+          </a:bodyPr>
+          <a:lstStyle/>
+          <a:p>
+            <a:pPr algn="l"/>
+            <a:r>
+              <a:rPr lang="th-TH" sz="2400" dirty="0">
+                <a:solidFill>
+                  <a:schemeClr val="bg1"/>
+                </a:solidFill>
+                <a:latin typeface="TH SarabunPSK" panose="020B0500040200020003" pitchFamily="34" charset="-34"/>
+                <a:cs typeface="TH SarabunPSK" panose="020B0500040200020003" pitchFamily="34" charset="-34"/>
+              </a:rPr>
+              <a:t>โดย ผศ</a:t>
+            </a:r>
+            <a:r>
+              <a:rPr lang="en-US" sz="2400" dirty="0">
+                <a:solidFill>
+                  <a:schemeClr val="bg1"/>
+                </a:solidFill>
+                <a:latin typeface="TH SarabunPSK" panose="020B0500040200020003" pitchFamily="34" charset="-34"/>
+                <a:cs typeface="TH SarabunPSK" panose="020B0500040200020003" pitchFamily="34" charset="-34"/>
+              </a:rPr>
+              <a:t>. </a:t>
+            </a:r>
+            <a:r>
+              <a:rPr lang="th-TH" sz="2400" dirty="0">
+                <a:solidFill>
+                  <a:schemeClr val="bg1"/>
+                </a:solidFill>
+                <a:latin typeface="TH SarabunPSK" panose="020B0500040200020003" pitchFamily="34" charset="-34"/>
+                <a:cs typeface="TH SarabunPSK" panose="020B0500040200020003" pitchFamily="34" charset="-34"/>
+              </a:rPr>
+              <a:t>ดร</a:t>
+            </a:r>
+            <a:r>
+              <a:rPr lang="en-US" sz="2400" dirty="0">
+                <a:solidFill>
+                  <a:schemeClr val="bg1"/>
+                </a:solidFill>
+                <a:latin typeface="TH SarabunPSK" panose="020B0500040200020003" pitchFamily="34" charset="-34"/>
+                <a:cs typeface="TH SarabunPSK" panose="020B0500040200020003" pitchFamily="34" charset="-34"/>
+              </a:rPr>
+              <a:t>.</a:t>
+            </a:r>
+            <a:r>
+              <a:rPr lang="th-TH" sz="2400" dirty="0">
+                <a:solidFill>
+                  <a:schemeClr val="bg1"/>
+                </a:solidFill>
+                <a:latin typeface="TH SarabunPSK" panose="020B0500040200020003" pitchFamily="34" charset="-34"/>
+                <a:cs typeface="TH SarabunPSK" panose="020B0500040200020003" pitchFamily="34" charset="-34"/>
+              </a:rPr>
+              <a:t>ธนพงศ์ อินทระ สาขาวิชาสถิติ มหาวิทยาลัยขอนแก่น </a:t>
+            </a:r>
+          </a:p>
+        </p:txBody>
+      </p:sp>
     </p:spTree>
     <p:extLst>
       <p:ext uri="{BB962C8B-B14F-4D97-AF65-F5344CB8AC3E}">
@@ -17762,6 +19156,88 @@
           </a:p>
         </p:txBody>
       </p:sp>
+      <p:sp>
+        <p:nvSpPr>
+          <p:cNvPr id="5" name="TextBox 4">
+            <a:extLst>
+              <a:ext uri="{FF2B5EF4-FFF2-40B4-BE49-F238E27FC236}">
+                <a16:creationId xmlns:a16="http://schemas.microsoft.com/office/drawing/2014/main" id="{C3176F6B-B52F-4509-9394-4C88F1630249}"/>
+              </a:ext>
+            </a:extLst>
+          </p:cNvPr>
+          <p:cNvSpPr txBox="1"/>
+          <p:nvPr/>
+        </p:nvSpPr>
+        <p:spPr>
+          <a:xfrm>
+            <a:off x="124837" y="6451715"/>
+            <a:ext cx="5532120" cy="461665"/>
+          </a:xfrm>
+          <a:prstGeom prst="rect">
+            <a:avLst/>
+          </a:prstGeom>
+          <a:noFill/>
+        </p:spPr>
+        <p:txBody>
+          <a:bodyPr wrap="square">
+            <a:spAutoFit/>
+          </a:bodyPr>
+          <a:lstStyle/>
+          <a:p>
+            <a:pPr algn="l"/>
+            <a:r>
+              <a:rPr lang="th-TH" sz="2400" dirty="0">
+                <a:solidFill>
+                  <a:schemeClr val="bg1"/>
+                </a:solidFill>
+                <a:latin typeface="TH SarabunPSK" panose="020B0500040200020003" pitchFamily="34" charset="-34"/>
+                <a:cs typeface="TH SarabunPSK" panose="020B0500040200020003" pitchFamily="34" charset="-34"/>
+              </a:rPr>
+              <a:t>โดย ผศ</a:t>
+            </a:r>
+            <a:r>
+              <a:rPr lang="en-US" sz="2400" dirty="0">
+                <a:solidFill>
+                  <a:schemeClr val="bg1"/>
+                </a:solidFill>
+                <a:latin typeface="TH SarabunPSK" panose="020B0500040200020003" pitchFamily="34" charset="-34"/>
+                <a:cs typeface="TH SarabunPSK" panose="020B0500040200020003" pitchFamily="34" charset="-34"/>
+              </a:rPr>
+              <a:t>. </a:t>
+            </a:r>
+            <a:r>
+              <a:rPr lang="th-TH" sz="2400" dirty="0">
+                <a:solidFill>
+                  <a:schemeClr val="bg1"/>
+                </a:solidFill>
+                <a:latin typeface="TH SarabunPSK" panose="020B0500040200020003" pitchFamily="34" charset="-34"/>
+                <a:cs typeface="TH SarabunPSK" panose="020B0500040200020003" pitchFamily="34" charset="-34"/>
+              </a:rPr>
+              <a:t>ดร</a:t>
+            </a:r>
+            <a:r>
+              <a:rPr lang="en-US" sz="2400" dirty="0">
+                <a:solidFill>
+                  <a:schemeClr val="bg1"/>
+                </a:solidFill>
+                <a:latin typeface="TH SarabunPSK" panose="020B0500040200020003" pitchFamily="34" charset="-34"/>
+                <a:cs typeface="TH SarabunPSK" panose="020B0500040200020003" pitchFamily="34" charset="-34"/>
+              </a:rPr>
+              <a:t>.</a:t>
+            </a:r>
+            <a:r>
+              <a:rPr lang="th-TH" sz="2400" dirty="0">
+                <a:solidFill>
+                  <a:schemeClr val="bg1"/>
+                </a:solidFill>
+                <a:latin typeface="TH SarabunPSK" panose="020B0500040200020003" pitchFamily="34" charset="-34"/>
+                <a:cs typeface="TH SarabunPSK" panose="020B0500040200020003" pitchFamily="34" charset="-34"/>
+              </a:rPr>
+              <a:t>ธนพงศ์ อินทระ สาขาวิชาสถิติ มหาวิทยาลัยขอนแก่น </a:t>
+            </a:r>
+          </a:p>
+        </p:txBody>
+      </p:sp>
     </p:spTree>
     <p:extLst>
       <p:ext uri="{BB962C8B-B14F-4D97-AF65-F5344CB8AC3E}">
@@ -18391,6 +19867,88 @@
           </a:p>
         </p:txBody>
       </p:sp>
+      <p:sp>
+        <p:nvSpPr>
+          <p:cNvPr id="4" name="TextBox 3">
+            <a:extLst>
+              <a:ext uri="{FF2B5EF4-FFF2-40B4-BE49-F238E27FC236}">
+                <a16:creationId xmlns:a16="http://schemas.microsoft.com/office/drawing/2014/main" id="{AB34F39B-C45F-E360-4BDF-661734C09951}"/>
+              </a:ext>
+            </a:extLst>
+          </p:cNvPr>
+          <p:cNvSpPr txBox="1"/>
+          <p:nvPr/>
+        </p:nvSpPr>
+        <p:spPr>
+          <a:xfrm>
+            <a:off x="124837" y="6451715"/>
+            <a:ext cx="5532120" cy="461665"/>
+          </a:xfrm>
+          <a:prstGeom prst="rect">
+            <a:avLst/>
+          </a:prstGeom>
+          <a:noFill/>
+        </p:spPr>
+        <p:txBody>
+          <a:bodyPr wrap="square">
+            <a:spAutoFit/>
+          </a:bodyPr>
+          <a:lstStyle/>
+          <a:p>
+            <a:pPr algn="l"/>
+            <a:r>
+              <a:rPr lang="th-TH" sz="2400" dirty="0">
+                <a:solidFill>
+                  <a:schemeClr val="bg1"/>
+                </a:solidFill>
+                <a:latin typeface="TH SarabunPSK" panose="020B0500040200020003" pitchFamily="34" charset="-34"/>
+                <a:cs typeface="TH SarabunPSK" panose="020B0500040200020003" pitchFamily="34" charset="-34"/>
+              </a:rPr>
+              <a:t>โดย ผศ</a:t>
+            </a:r>
+            <a:r>
+              <a:rPr lang="en-US" sz="2400" dirty="0">
+                <a:solidFill>
+                  <a:schemeClr val="bg1"/>
+                </a:solidFill>
+                <a:latin typeface="TH SarabunPSK" panose="020B0500040200020003" pitchFamily="34" charset="-34"/>
+                <a:cs typeface="TH SarabunPSK" panose="020B0500040200020003" pitchFamily="34" charset="-34"/>
+              </a:rPr>
+              <a:t>. </a:t>
+            </a:r>
+            <a:r>
+              <a:rPr lang="th-TH" sz="2400" dirty="0">
+                <a:solidFill>
+                  <a:schemeClr val="bg1"/>
+                </a:solidFill>
+                <a:latin typeface="TH SarabunPSK" panose="020B0500040200020003" pitchFamily="34" charset="-34"/>
+                <a:cs typeface="TH SarabunPSK" panose="020B0500040200020003" pitchFamily="34" charset="-34"/>
+              </a:rPr>
+              <a:t>ดร</a:t>
+            </a:r>
+            <a:r>
+              <a:rPr lang="en-US" sz="2400" dirty="0">
+                <a:solidFill>
+                  <a:schemeClr val="bg1"/>
+                </a:solidFill>
+                <a:latin typeface="TH SarabunPSK" panose="020B0500040200020003" pitchFamily="34" charset="-34"/>
+                <a:cs typeface="TH SarabunPSK" panose="020B0500040200020003" pitchFamily="34" charset="-34"/>
+              </a:rPr>
+              <a:t>.</a:t>
+            </a:r>
+            <a:r>
+              <a:rPr lang="th-TH" sz="2400" dirty="0">
+                <a:solidFill>
+                  <a:schemeClr val="bg1"/>
+                </a:solidFill>
+                <a:latin typeface="TH SarabunPSK" panose="020B0500040200020003" pitchFamily="34" charset="-34"/>
+                <a:cs typeface="TH SarabunPSK" panose="020B0500040200020003" pitchFamily="34" charset="-34"/>
+              </a:rPr>
+              <a:t>ธนพงศ์ อินทระ สาขาวิชาสถิติ มหาวิทยาลัยขอนแก่น </a:t>
+            </a:r>
+          </a:p>
+        </p:txBody>
+      </p:sp>
     </p:spTree>
     <p:extLst>
       <p:ext uri="{BB962C8B-B14F-4D97-AF65-F5344CB8AC3E}">
@@ -19724,6 +21282,88 @@
           </a:p>
         </p:txBody>
       </p:sp>
+      <p:sp>
+        <p:nvSpPr>
+          <p:cNvPr id="5" name="TextBox 4">
+            <a:extLst>
+              <a:ext uri="{FF2B5EF4-FFF2-40B4-BE49-F238E27FC236}">
+                <a16:creationId xmlns:a16="http://schemas.microsoft.com/office/drawing/2014/main" id="{7080839C-9C89-73CF-4EFF-BFA2233F3FFA}"/>
+              </a:ext>
+            </a:extLst>
+          </p:cNvPr>
+          <p:cNvSpPr txBox="1"/>
+          <p:nvPr/>
+        </p:nvSpPr>
+        <p:spPr>
+          <a:xfrm>
+            <a:off x="124837" y="6451715"/>
+            <a:ext cx="5532120" cy="461665"/>
+          </a:xfrm>
+          <a:prstGeom prst="rect">
+            <a:avLst/>
+          </a:prstGeom>
+          <a:noFill/>
+        </p:spPr>
+        <p:txBody>
+          <a:bodyPr wrap="square">
+            <a:spAutoFit/>
+          </a:bodyPr>
+          <a:lstStyle/>
+          <a:p>
+            <a:pPr algn="l"/>
+            <a:r>
+              <a:rPr lang="th-TH" sz="2400" dirty="0">
+                <a:solidFill>
+                  <a:schemeClr val="bg1"/>
+                </a:solidFill>
+                <a:latin typeface="TH SarabunPSK" panose="020B0500040200020003" pitchFamily="34" charset="-34"/>
+                <a:cs typeface="TH SarabunPSK" panose="020B0500040200020003" pitchFamily="34" charset="-34"/>
+              </a:rPr>
+              <a:t>โดย ผศ</a:t>
+            </a:r>
+            <a:r>
+              <a:rPr lang="en-US" sz="2400" dirty="0">
+                <a:solidFill>
+                  <a:schemeClr val="bg1"/>
+                </a:solidFill>
+                <a:latin typeface="TH SarabunPSK" panose="020B0500040200020003" pitchFamily="34" charset="-34"/>
+                <a:cs typeface="TH SarabunPSK" panose="020B0500040200020003" pitchFamily="34" charset="-34"/>
+              </a:rPr>
+              <a:t>. </a:t>
+            </a:r>
+            <a:r>
+              <a:rPr lang="th-TH" sz="2400" dirty="0">
+                <a:solidFill>
+                  <a:schemeClr val="bg1"/>
+                </a:solidFill>
+                <a:latin typeface="TH SarabunPSK" panose="020B0500040200020003" pitchFamily="34" charset="-34"/>
+                <a:cs typeface="TH SarabunPSK" panose="020B0500040200020003" pitchFamily="34" charset="-34"/>
+              </a:rPr>
+              <a:t>ดร</a:t>
+            </a:r>
+            <a:r>
+              <a:rPr lang="en-US" sz="2400" dirty="0">
+                <a:solidFill>
+                  <a:schemeClr val="bg1"/>
+                </a:solidFill>
+                <a:latin typeface="TH SarabunPSK" panose="020B0500040200020003" pitchFamily="34" charset="-34"/>
+                <a:cs typeface="TH SarabunPSK" panose="020B0500040200020003" pitchFamily="34" charset="-34"/>
+              </a:rPr>
+              <a:t>.</a:t>
+            </a:r>
+            <a:r>
+              <a:rPr lang="th-TH" sz="2400" dirty="0">
+                <a:solidFill>
+                  <a:schemeClr val="bg1"/>
+                </a:solidFill>
+                <a:latin typeface="TH SarabunPSK" panose="020B0500040200020003" pitchFamily="34" charset="-34"/>
+                <a:cs typeface="TH SarabunPSK" panose="020B0500040200020003" pitchFamily="34" charset="-34"/>
+              </a:rPr>
+              <a:t>ธนพงศ์ อินทระ สาขาวิชาสถิติ มหาวิทยาลัยขอนแก่น </a:t>
+            </a:r>
+          </a:p>
+        </p:txBody>
+      </p:sp>
     </p:spTree>
     <p:extLst>
       <p:ext uri="{BB962C8B-B14F-4D97-AF65-F5344CB8AC3E}">
@@ -20557,6 +22197,88 @@
           </a:p>
         </p:txBody>
       </p:sp>
+      <p:sp>
+        <p:nvSpPr>
+          <p:cNvPr id="4" name="TextBox 3">
+            <a:extLst>
+              <a:ext uri="{FF2B5EF4-FFF2-40B4-BE49-F238E27FC236}">
+                <a16:creationId xmlns:a16="http://schemas.microsoft.com/office/drawing/2014/main" id="{24D16056-2BEB-5A51-C926-4E2BE67F4A92}"/>
+              </a:ext>
+            </a:extLst>
+          </p:cNvPr>
+          <p:cNvSpPr txBox="1"/>
+          <p:nvPr/>
+        </p:nvSpPr>
+        <p:spPr>
+          <a:xfrm>
+            <a:off x="124837" y="6451715"/>
+            <a:ext cx="5532120" cy="461665"/>
+          </a:xfrm>
+          <a:prstGeom prst="rect">
+            <a:avLst/>
+          </a:prstGeom>
+          <a:noFill/>
+        </p:spPr>
+        <p:txBody>
+          <a:bodyPr wrap="square">
+            <a:spAutoFit/>
+          </a:bodyPr>
+          <a:lstStyle/>
+          <a:p>
+            <a:pPr algn="l"/>
+            <a:r>
+              <a:rPr lang="th-TH" sz="2400" dirty="0">
+                <a:solidFill>
+                  <a:schemeClr val="bg1"/>
+                </a:solidFill>
+                <a:latin typeface="TH SarabunPSK" panose="020B0500040200020003" pitchFamily="34" charset="-34"/>
+                <a:cs typeface="TH SarabunPSK" panose="020B0500040200020003" pitchFamily="34" charset="-34"/>
+              </a:rPr>
+              <a:t>โดย ผศ</a:t>
+            </a:r>
+            <a:r>
+              <a:rPr lang="en-US" sz="2400" dirty="0">
+                <a:solidFill>
+                  <a:schemeClr val="bg1"/>
+                </a:solidFill>
+                <a:latin typeface="TH SarabunPSK" panose="020B0500040200020003" pitchFamily="34" charset="-34"/>
+                <a:cs typeface="TH SarabunPSK" panose="020B0500040200020003" pitchFamily="34" charset="-34"/>
+              </a:rPr>
+              <a:t>. </a:t>
+            </a:r>
+            <a:r>
+              <a:rPr lang="th-TH" sz="2400" dirty="0">
+                <a:solidFill>
+                  <a:schemeClr val="bg1"/>
+                </a:solidFill>
+                <a:latin typeface="TH SarabunPSK" panose="020B0500040200020003" pitchFamily="34" charset="-34"/>
+                <a:cs typeface="TH SarabunPSK" panose="020B0500040200020003" pitchFamily="34" charset="-34"/>
+              </a:rPr>
+              <a:t>ดร</a:t>
+            </a:r>
+            <a:r>
+              <a:rPr lang="en-US" sz="2400" dirty="0">
+                <a:solidFill>
+                  <a:schemeClr val="bg1"/>
+                </a:solidFill>
+                <a:latin typeface="TH SarabunPSK" panose="020B0500040200020003" pitchFamily="34" charset="-34"/>
+                <a:cs typeface="TH SarabunPSK" panose="020B0500040200020003" pitchFamily="34" charset="-34"/>
+              </a:rPr>
+              <a:t>.</a:t>
+            </a:r>
+            <a:r>
+              <a:rPr lang="th-TH" sz="2400" dirty="0">
+                <a:solidFill>
+                  <a:schemeClr val="bg1"/>
+                </a:solidFill>
+                <a:latin typeface="TH SarabunPSK" panose="020B0500040200020003" pitchFamily="34" charset="-34"/>
+                <a:cs typeface="TH SarabunPSK" panose="020B0500040200020003" pitchFamily="34" charset="-34"/>
+              </a:rPr>
+              <a:t>ธนพงศ์ อินทระ สาขาวิชาสถิติ มหาวิทยาลัยขอนแก่น </a:t>
+            </a:r>
+          </a:p>
+        </p:txBody>
+      </p:sp>
     </p:spTree>
     <p:extLst>
       <p:ext uri="{BB962C8B-B14F-4D97-AF65-F5344CB8AC3E}">
@@ -21737,6 +23459,88 @@
           </a:p>
         </p:txBody>
       </p:sp>
+      <p:sp>
+        <p:nvSpPr>
+          <p:cNvPr id="4" name="TextBox 3">
+            <a:extLst>
+              <a:ext uri="{FF2B5EF4-FFF2-40B4-BE49-F238E27FC236}">
+                <a16:creationId xmlns:a16="http://schemas.microsoft.com/office/drawing/2014/main" id="{5B0782B0-6D69-A677-4D3E-457D034B5D25}"/>
+              </a:ext>
+            </a:extLst>
+          </p:cNvPr>
+          <p:cNvSpPr txBox="1"/>
+          <p:nvPr/>
+        </p:nvSpPr>
+        <p:spPr>
+          <a:xfrm>
+            <a:off x="124837" y="6451715"/>
+            <a:ext cx="5532120" cy="461665"/>
+          </a:xfrm>
+          <a:prstGeom prst="rect">
+            <a:avLst/>
+          </a:prstGeom>
+          <a:noFill/>
+        </p:spPr>
+        <p:txBody>
+          <a:bodyPr wrap="square">
+            <a:spAutoFit/>
+          </a:bodyPr>
+          <a:lstStyle/>
+          <a:p>
+            <a:pPr algn="l"/>
+            <a:r>
+              <a:rPr lang="th-TH" sz="2400" dirty="0">
+                <a:solidFill>
+                  <a:schemeClr val="bg1"/>
+                </a:solidFill>
+                <a:latin typeface="TH SarabunPSK" panose="020B0500040200020003" pitchFamily="34" charset="-34"/>
+                <a:cs typeface="TH SarabunPSK" panose="020B0500040200020003" pitchFamily="34" charset="-34"/>
+              </a:rPr>
+              <a:t>โดย ผศ</a:t>
+            </a:r>
+            <a:r>
+              <a:rPr lang="en-US" sz="2400" dirty="0">
+                <a:solidFill>
+                  <a:schemeClr val="bg1"/>
+                </a:solidFill>
+                <a:latin typeface="TH SarabunPSK" panose="020B0500040200020003" pitchFamily="34" charset="-34"/>
+                <a:cs typeface="TH SarabunPSK" panose="020B0500040200020003" pitchFamily="34" charset="-34"/>
+              </a:rPr>
+              <a:t>. </a:t>
+            </a:r>
+            <a:r>
+              <a:rPr lang="th-TH" sz="2400" dirty="0">
+                <a:solidFill>
+                  <a:schemeClr val="bg1"/>
+                </a:solidFill>
+                <a:latin typeface="TH SarabunPSK" panose="020B0500040200020003" pitchFamily="34" charset="-34"/>
+                <a:cs typeface="TH SarabunPSK" panose="020B0500040200020003" pitchFamily="34" charset="-34"/>
+              </a:rPr>
+              <a:t>ดร</a:t>
+            </a:r>
+            <a:r>
+              <a:rPr lang="en-US" sz="2400" dirty="0">
+                <a:solidFill>
+                  <a:schemeClr val="bg1"/>
+                </a:solidFill>
+                <a:latin typeface="TH SarabunPSK" panose="020B0500040200020003" pitchFamily="34" charset="-34"/>
+                <a:cs typeface="TH SarabunPSK" panose="020B0500040200020003" pitchFamily="34" charset="-34"/>
+              </a:rPr>
+              <a:t>.</a:t>
+            </a:r>
+            <a:r>
+              <a:rPr lang="th-TH" sz="2400" dirty="0">
+                <a:solidFill>
+                  <a:schemeClr val="bg1"/>
+                </a:solidFill>
+                <a:latin typeface="TH SarabunPSK" panose="020B0500040200020003" pitchFamily="34" charset="-34"/>
+                <a:cs typeface="TH SarabunPSK" panose="020B0500040200020003" pitchFamily="34" charset="-34"/>
+              </a:rPr>
+              <a:t>ธนพงศ์ อินทระ สาขาวิชาสถิติ มหาวิทยาลัยขอนแก่น </a:t>
+            </a:r>
+          </a:p>
+        </p:txBody>
+      </p:sp>
     </p:spTree>
     <p:extLst>
       <p:ext uri="{BB962C8B-B14F-4D97-AF65-F5344CB8AC3E}">
@@ -22490,6 +24294,88 @@
           </a:p>
         </p:txBody>
       </p:sp>
+      <p:sp>
+        <p:nvSpPr>
+          <p:cNvPr id="4" name="TextBox 3">
+            <a:extLst>
+              <a:ext uri="{FF2B5EF4-FFF2-40B4-BE49-F238E27FC236}">
+                <a16:creationId xmlns:a16="http://schemas.microsoft.com/office/drawing/2014/main" id="{C6488245-1761-655C-4109-6C64A4ECB987}"/>
+              </a:ext>
+            </a:extLst>
+          </p:cNvPr>
+          <p:cNvSpPr txBox="1"/>
+          <p:nvPr/>
+        </p:nvSpPr>
+        <p:spPr>
+          <a:xfrm>
+            <a:off x="124837" y="6451715"/>
+            <a:ext cx="5532120" cy="461665"/>
+          </a:xfrm>
+          <a:prstGeom prst="rect">
+            <a:avLst/>
+          </a:prstGeom>
+          <a:noFill/>
+        </p:spPr>
+        <p:txBody>
+          <a:bodyPr wrap="square">
+            <a:spAutoFit/>
+          </a:bodyPr>
+          <a:lstStyle/>
+          <a:p>
+            <a:pPr algn="l"/>
+            <a:r>
+              <a:rPr lang="th-TH" sz="2400" dirty="0">
+                <a:solidFill>
+                  <a:schemeClr val="bg1"/>
+                </a:solidFill>
+                <a:latin typeface="TH SarabunPSK" panose="020B0500040200020003" pitchFamily="34" charset="-34"/>
+                <a:cs typeface="TH SarabunPSK" panose="020B0500040200020003" pitchFamily="34" charset="-34"/>
+              </a:rPr>
+              <a:t>โดย ผศ</a:t>
+            </a:r>
+            <a:r>
+              <a:rPr lang="en-US" sz="2400" dirty="0">
+                <a:solidFill>
+                  <a:schemeClr val="bg1"/>
+                </a:solidFill>
+                <a:latin typeface="TH SarabunPSK" panose="020B0500040200020003" pitchFamily="34" charset="-34"/>
+                <a:cs typeface="TH SarabunPSK" panose="020B0500040200020003" pitchFamily="34" charset="-34"/>
+              </a:rPr>
+              <a:t>. </a:t>
+            </a:r>
+            <a:r>
+              <a:rPr lang="th-TH" sz="2400" dirty="0">
+                <a:solidFill>
+                  <a:schemeClr val="bg1"/>
+                </a:solidFill>
+                <a:latin typeface="TH SarabunPSK" panose="020B0500040200020003" pitchFamily="34" charset="-34"/>
+                <a:cs typeface="TH SarabunPSK" panose="020B0500040200020003" pitchFamily="34" charset="-34"/>
+              </a:rPr>
+              <a:t>ดร</a:t>
+            </a:r>
+            <a:r>
+              <a:rPr lang="en-US" sz="2400" dirty="0">
+                <a:solidFill>
+                  <a:schemeClr val="bg1"/>
+                </a:solidFill>
+                <a:latin typeface="TH SarabunPSK" panose="020B0500040200020003" pitchFamily="34" charset="-34"/>
+                <a:cs typeface="TH SarabunPSK" panose="020B0500040200020003" pitchFamily="34" charset="-34"/>
+              </a:rPr>
+              <a:t>.</a:t>
+            </a:r>
+            <a:r>
+              <a:rPr lang="th-TH" sz="2400" dirty="0">
+                <a:solidFill>
+                  <a:schemeClr val="bg1"/>
+                </a:solidFill>
+                <a:latin typeface="TH SarabunPSK" panose="020B0500040200020003" pitchFamily="34" charset="-34"/>
+                <a:cs typeface="TH SarabunPSK" panose="020B0500040200020003" pitchFamily="34" charset="-34"/>
+              </a:rPr>
+              <a:t>ธนพงศ์ อินทระ สาขาวิชาสถิติ มหาวิทยาลัยขอนแก่น </a:t>
+            </a:r>
+          </a:p>
+        </p:txBody>
+      </p:sp>
     </p:spTree>
     <p:extLst>
       <p:ext uri="{BB962C8B-B14F-4D97-AF65-F5344CB8AC3E}">
@@ -23592,6 +25478,88 @@
           </a:p>
         </p:txBody>
       </p:sp>
+      <p:sp>
+        <p:nvSpPr>
+          <p:cNvPr id="4" name="TextBox 3">
+            <a:extLst>
+              <a:ext uri="{FF2B5EF4-FFF2-40B4-BE49-F238E27FC236}">
+                <a16:creationId xmlns:a16="http://schemas.microsoft.com/office/drawing/2014/main" id="{FC57F8C2-6782-0E77-48CA-641D0BCF756D}"/>
+              </a:ext>
+            </a:extLst>
+          </p:cNvPr>
+          <p:cNvSpPr txBox="1"/>
+          <p:nvPr/>
+        </p:nvSpPr>
+        <p:spPr>
+          <a:xfrm>
+            <a:off x="124837" y="6451715"/>
+            <a:ext cx="5532120" cy="461665"/>
+          </a:xfrm>
+          <a:prstGeom prst="rect">
+            <a:avLst/>
+          </a:prstGeom>
+          <a:noFill/>
+        </p:spPr>
+        <p:txBody>
+          <a:bodyPr wrap="square">
+            <a:spAutoFit/>
+          </a:bodyPr>
+          <a:lstStyle/>
+          <a:p>
+            <a:pPr algn="l"/>
+            <a:r>
+              <a:rPr lang="th-TH" sz="2400" dirty="0">
+                <a:solidFill>
+                  <a:schemeClr val="bg1"/>
+                </a:solidFill>
+                <a:latin typeface="TH SarabunPSK" panose="020B0500040200020003" pitchFamily="34" charset="-34"/>
+                <a:cs typeface="TH SarabunPSK" panose="020B0500040200020003" pitchFamily="34" charset="-34"/>
+              </a:rPr>
+              <a:t>โดย ผศ</a:t>
+            </a:r>
+            <a:r>
+              <a:rPr lang="en-US" sz="2400" dirty="0">
+                <a:solidFill>
+                  <a:schemeClr val="bg1"/>
+                </a:solidFill>
+                <a:latin typeface="TH SarabunPSK" panose="020B0500040200020003" pitchFamily="34" charset="-34"/>
+                <a:cs typeface="TH SarabunPSK" panose="020B0500040200020003" pitchFamily="34" charset="-34"/>
+              </a:rPr>
+              <a:t>. </a:t>
+            </a:r>
+            <a:r>
+              <a:rPr lang="th-TH" sz="2400" dirty="0">
+                <a:solidFill>
+                  <a:schemeClr val="bg1"/>
+                </a:solidFill>
+                <a:latin typeface="TH SarabunPSK" panose="020B0500040200020003" pitchFamily="34" charset="-34"/>
+                <a:cs typeface="TH SarabunPSK" panose="020B0500040200020003" pitchFamily="34" charset="-34"/>
+              </a:rPr>
+              <a:t>ดร</a:t>
+            </a:r>
+            <a:r>
+              <a:rPr lang="en-US" sz="2400" dirty="0">
+                <a:solidFill>
+                  <a:schemeClr val="bg1"/>
+                </a:solidFill>
+                <a:latin typeface="TH SarabunPSK" panose="020B0500040200020003" pitchFamily="34" charset="-34"/>
+                <a:cs typeface="TH SarabunPSK" panose="020B0500040200020003" pitchFamily="34" charset="-34"/>
+              </a:rPr>
+              <a:t>.</a:t>
+            </a:r>
+            <a:r>
+              <a:rPr lang="th-TH" sz="2400" dirty="0">
+                <a:solidFill>
+                  <a:schemeClr val="bg1"/>
+                </a:solidFill>
+                <a:latin typeface="TH SarabunPSK" panose="020B0500040200020003" pitchFamily="34" charset="-34"/>
+                <a:cs typeface="TH SarabunPSK" panose="020B0500040200020003" pitchFamily="34" charset="-34"/>
+              </a:rPr>
+              <a:t>ธนพงศ์ อินทระ สาขาวิชาสถิติ มหาวิทยาลัยขอนแก่น </a:t>
+            </a:r>
+          </a:p>
+        </p:txBody>
+      </p:sp>
     </p:spTree>
     <p:extLst>
       <p:ext uri="{BB962C8B-B14F-4D97-AF65-F5344CB8AC3E}">
@@ -24376,6 +26344,88 @@
           </a:p>
         </p:txBody>
       </p:sp>
+      <p:sp>
+        <p:nvSpPr>
+          <p:cNvPr id="4" name="TextBox 3">
+            <a:extLst>
+              <a:ext uri="{FF2B5EF4-FFF2-40B4-BE49-F238E27FC236}">
+                <a16:creationId xmlns:a16="http://schemas.microsoft.com/office/drawing/2014/main" id="{CF8EFA98-BA0F-0A67-FC96-D7A58A540DAF}"/>
+              </a:ext>
+            </a:extLst>
+          </p:cNvPr>
+          <p:cNvSpPr txBox="1"/>
+          <p:nvPr/>
+        </p:nvSpPr>
+        <p:spPr>
+          <a:xfrm>
+            <a:off x="124837" y="6451715"/>
+            <a:ext cx="5532120" cy="461665"/>
+          </a:xfrm>
+          <a:prstGeom prst="rect">
+            <a:avLst/>
+          </a:prstGeom>
+          <a:noFill/>
+        </p:spPr>
+        <p:txBody>
+          <a:bodyPr wrap="square">
+            <a:spAutoFit/>
+          </a:bodyPr>
+          <a:lstStyle/>
+          <a:p>
+            <a:pPr algn="l"/>
+            <a:r>
+              <a:rPr lang="th-TH" sz="2400" dirty="0">
+                <a:solidFill>
+                  <a:schemeClr val="bg1"/>
+                </a:solidFill>
+                <a:latin typeface="TH SarabunPSK" panose="020B0500040200020003" pitchFamily="34" charset="-34"/>
+                <a:cs typeface="TH SarabunPSK" panose="020B0500040200020003" pitchFamily="34" charset="-34"/>
+              </a:rPr>
+              <a:t>โดย ผศ</a:t>
+            </a:r>
+            <a:r>
+              <a:rPr lang="en-US" sz="2400" dirty="0">
+                <a:solidFill>
+                  <a:schemeClr val="bg1"/>
+                </a:solidFill>
+                <a:latin typeface="TH SarabunPSK" panose="020B0500040200020003" pitchFamily="34" charset="-34"/>
+                <a:cs typeface="TH SarabunPSK" panose="020B0500040200020003" pitchFamily="34" charset="-34"/>
+              </a:rPr>
+              <a:t>. </a:t>
+            </a:r>
+            <a:r>
+              <a:rPr lang="th-TH" sz="2400" dirty="0">
+                <a:solidFill>
+                  <a:schemeClr val="bg1"/>
+                </a:solidFill>
+                <a:latin typeface="TH SarabunPSK" panose="020B0500040200020003" pitchFamily="34" charset="-34"/>
+                <a:cs typeface="TH SarabunPSK" panose="020B0500040200020003" pitchFamily="34" charset="-34"/>
+              </a:rPr>
+              <a:t>ดร</a:t>
+            </a:r>
+            <a:r>
+              <a:rPr lang="en-US" sz="2400" dirty="0">
+                <a:solidFill>
+                  <a:schemeClr val="bg1"/>
+                </a:solidFill>
+                <a:latin typeface="TH SarabunPSK" panose="020B0500040200020003" pitchFamily="34" charset="-34"/>
+                <a:cs typeface="TH SarabunPSK" panose="020B0500040200020003" pitchFamily="34" charset="-34"/>
+              </a:rPr>
+              <a:t>.</a:t>
+            </a:r>
+            <a:r>
+              <a:rPr lang="th-TH" sz="2400" dirty="0">
+                <a:solidFill>
+                  <a:schemeClr val="bg1"/>
+                </a:solidFill>
+                <a:latin typeface="TH SarabunPSK" panose="020B0500040200020003" pitchFamily="34" charset="-34"/>
+                <a:cs typeface="TH SarabunPSK" panose="020B0500040200020003" pitchFamily="34" charset="-34"/>
+              </a:rPr>
+              <a:t>ธนพงศ์ อินทระ สาขาวิชาสถิติ มหาวิทยาลัยขอนแก่น </a:t>
+            </a:r>
+          </a:p>
+        </p:txBody>
+      </p:sp>
     </p:spTree>
     <p:extLst>
       <p:ext uri="{BB962C8B-B14F-4D97-AF65-F5344CB8AC3E}">
@@ -25295,6 +27345,88 @@
           </a:p>
         </p:txBody>
       </p:sp>
+      <p:sp>
+        <p:nvSpPr>
+          <p:cNvPr id="5" name="TextBox 4">
+            <a:extLst>
+              <a:ext uri="{FF2B5EF4-FFF2-40B4-BE49-F238E27FC236}">
+                <a16:creationId xmlns:a16="http://schemas.microsoft.com/office/drawing/2014/main" id="{AFC2C29E-00AC-D9C4-A4D5-B4183DCADF0F}"/>
+              </a:ext>
+            </a:extLst>
+          </p:cNvPr>
+          <p:cNvSpPr txBox="1"/>
+          <p:nvPr/>
+        </p:nvSpPr>
+        <p:spPr>
+          <a:xfrm>
+            <a:off x="124837" y="6451715"/>
+            <a:ext cx="5532120" cy="461665"/>
+          </a:xfrm>
+          <a:prstGeom prst="rect">
+            <a:avLst/>
+          </a:prstGeom>
+          <a:noFill/>
+        </p:spPr>
+        <p:txBody>
+          <a:bodyPr wrap="square">
+            <a:spAutoFit/>
+          </a:bodyPr>
+          <a:lstStyle/>
+          <a:p>
+            <a:pPr algn="l"/>
+            <a:r>
+              <a:rPr lang="th-TH" sz="2400" dirty="0">
+                <a:solidFill>
+                  <a:schemeClr val="bg1"/>
+                </a:solidFill>
+                <a:latin typeface="TH SarabunPSK" panose="020B0500040200020003" pitchFamily="34" charset="-34"/>
+                <a:cs typeface="TH SarabunPSK" panose="020B0500040200020003" pitchFamily="34" charset="-34"/>
+              </a:rPr>
+              <a:t>โดย ผศ</a:t>
+            </a:r>
+            <a:r>
+              <a:rPr lang="en-US" sz="2400" dirty="0">
+                <a:solidFill>
+                  <a:schemeClr val="bg1"/>
+                </a:solidFill>
+                <a:latin typeface="TH SarabunPSK" panose="020B0500040200020003" pitchFamily="34" charset="-34"/>
+                <a:cs typeface="TH SarabunPSK" panose="020B0500040200020003" pitchFamily="34" charset="-34"/>
+              </a:rPr>
+              <a:t>. </a:t>
+            </a:r>
+            <a:r>
+              <a:rPr lang="th-TH" sz="2400" dirty="0">
+                <a:solidFill>
+                  <a:schemeClr val="bg1"/>
+                </a:solidFill>
+                <a:latin typeface="TH SarabunPSK" panose="020B0500040200020003" pitchFamily="34" charset="-34"/>
+                <a:cs typeface="TH SarabunPSK" panose="020B0500040200020003" pitchFamily="34" charset="-34"/>
+              </a:rPr>
+              <a:t>ดร</a:t>
+            </a:r>
+            <a:r>
+              <a:rPr lang="en-US" sz="2400" dirty="0">
+                <a:solidFill>
+                  <a:schemeClr val="bg1"/>
+                </a:solidFill>
+                <a:latin typeface="TH SarabunPSK" panose="020B0500040200020003" pitchFamily="34" charset="-34"/>
+                <a:cs typeface="TH SarabunPSK" panose="020B0500040200020003" pitchFamily="34" charset="-34"/>
+              </a:rPr>
+              <a:t>.</a:t>
+            </a:r>
+            <a:r>
+              <a:rPr lang="th-TH" sz="2400" dirty="0">
+                <a:solidFill>
+                  <a:schemeClr val="bg1"/>
+                </a:solidFill>
+                <a:latin typeface="TH SarabunPSK" panose="020B0500040200020003" pitchFamily="34" charset="-34"/>
+                <a:cs typeface="TH SarabunPSK" panose="020B0500040200020003" pitchFamily="34" charset="-34"/>
+              </a:rPr>
+              <a:t>ธนพงศ์ อินทระ สาขาวิชาสถิติ มหาวิทยาลัยขอนแก่น </a:t>
+            </a:r>
+          </a:p>
+        </p:txBody>
+      </p:sp>
     </p:spTree>
     <p:extLst>
       <p:ext uri="{BB962C8B-B14F-4D97-AF65-F5344CB8AC3E}">
@@ -26123,6 +28255,88 @@
           </a:p>
         </p:txBody>
       </p:sp>
+      <p:sp>
+        <p:nvSpPr>
+          <p:cNvPr id="5" name="TextBox 4">
+            <a:extLst>
+              <a:ext uri="{FF2B5EF4-FFF2-40B4-BE49-F238E27FC236}">
+                <a16:creationId xmlns:a16="http://schemas.microsoft.com/office/drawing/2014/main" id="{A81B4D25-FA7F-64A4-B02A-1A371BD6FCE7}"/>
+              </a:ext>
+            </a:extLst>
+          </p:cNvPr>
+          <p:cNvSpPr txBox="1"/>
+          <p:nvPr/>
+        </p:nvSpPr>
+        <p:spPr>
+          <a:xfrm>
+            <a:off x="124837" y="6451715"/>
+            <a:ext cx="5532120" cy="461665"/>
+          </a:xfrm>
+          <a:prstGeom prst="rect">
+            <a:avLst/>
+          </a:prstGeom>
+          <a:noFill/>
+        </p:spPr>
+        <p:txBody>
+          <a:bodyPr wrap="square">
+            <a:spAutoFit/>
+          </a:bodyPr>
+          <a:lstStyle/>
+          <a:p>
+            <a:pPr algn="l"/>
+            <a:r>
+              <a:rPr lang="th-TH" sz="2400" dirty="0">
+                <a:solidFill>
+                  <a:schemeClr val="bg1"/>
+                </a:solidFill>
+                <a:latin typeface="TH SarabunPSK" panose="020B0500040200020003" pitchFamily="34" charset="-34"/>
+                <a:cs typeface="TH SarabunPSK" panose="020B0500040200020003" pitchFamily="34" charset="-34"/>
+              </a:rPr>
+              <a:t>โดย ผศ</a:t>
+            </a:r>
+            <a:r>
+              <a:rPr lang="en-US" sz="2400" dirty="0">
+                <a:solidFill>
+                  <a:schemeClr val="bg1"/>
+                </a:solidFill>
+                <a:latin typeface="TH SarabunPSK" panose="020B0500040200020003" pitchFamily="34" charset="-34"/>
+                <a:cs typeface="TH SarabunPSK" panose="020B0500040200020003" pitchFamily="34" charset="-34"/>
+              </a:rPr>
+              <a:t>. </a:t>
+            </a:r>
+            <a:r>
+              <a:rPr lang="th-TH" sz="2400" dirty="0">
+                <a:solidFill>
+                  <a:schemeClr val="bg1"/>
+                </a:solidFill>
+                <a:latin typeface="TH SarabunPSK" panose="020B0500040200020003" pitchFamily="34" charset="-34"/>
+                <a:cs typeface="TH SarabunPSK" panose="020B0500040200020003" pitchFamily="34" charset="-34"/>
+              </a:rPr>
+              <a:t>ดร</a:t>
+            </a:r>
+            <a:r>
+              <a:rPr lang="en-US" sz="2400" dirty="0">
+                <a:solidFill>
+                  <a:schemeClr val="bg1"/>
+                </a:solidFill>
+                <a:latin typeface="TH SarabunPSK" panose="020B0500040200020003" pitchFamily="34" charset="-34"/>
+                <a:cs typeface="TH SarabunPSK" panose="020B0500040200020003" pitchFamily="34" charset="-34"/>
+              </a:rPr>
+              <a:t>.</a:t>
+            </a:r>
+            <a:r>
+              <a:rPr lang="th-TH" sz="2400" dirty="0">
+                <a:solidFill>
+                  <a:schemeClr val="bg1"/>
+                </a:solidFill>
+                <a:latin typeface="TH SarabunPSK" panose="020B0500040200020003" pitchFamily="34" charset="-34"/>
+                <a:cs typeface="TH SarabunPSK" panose="020B0500040200020003" pitchFamily="34" charset="-34"/>
+              </a:rPr>
+              <a:t>ธนพงศ์ อินทระ สาขาวิชาสถิติ มหาวิทยาลัยขอนแก่น </a:t>
+            </a:r>
+          </a:p>
+        </p:txBody>
+      </p:sp>
     </p:spTree>
     <p:extLst>
       <p:ext uri="{BB962C8B-B14F-4D97-AF65-F5344CB8AC3E}">
@@ -26899,6 +29113,88 @@
           </a:p>
         </p:txBody>
       </p:sp>
+      <p:sp>
+        <p:nvSpPr>
+          <p:cNvPr id="5" name="TextBox 4">
+            <a:extLst>
+              <a:ext uri="{FF2B5EF4-FFF2-40B4-BE49-F238E27FC236}">
+                <a16:creationId xmlns:a16="http://schemas.microsoft.com/office/drawing/2014/main" id="{2EC2F7AE-382C-A0E2-4684-E1BE4BDEDC18}"/>
+              </a:ext>
+            </a:extLst>
+          </p:cNvPr>
+          <p:cNvSpPr txBox="1"/>
+          <p:nvPr/>
+        </p:nvSpPr>
+        <p:spPr>
+          <a:xfrm>
+            <a:off x="124837" y="6451715"/>
+            <a:ext cx="5532120" cy="461665"/>
+          </a:xfrm>
+          <a:prstGeom prst="rect">
+            <a:avLst/>
+          </a:prstGeom>
+          <a:noFill/>
+        </p:spPr>
+        <p:txBody>
+          <a:bodyPr wrap="square">
+            <a:spAutoFit/>
+          </a:bodyPr>
+          <a:lstStyle/>
+          <a:p>
+            <a:pPr algn="l"/>
+            <a:r>
+              <a:rPr lang="th-TH" sz="2400" dirty="0">
+                <a:solidFill>
+                  <a:schemeClr val="bg1"/>
+                </a:solidFill>
+                <a:latin typeface="TH SarabunPSK" panose="020B0500040200020003" pitchFamily="34" charset="-34"/>
+                <a:cs typeface="TH SarabunPSK" panose="020B0500040200020003" pitchFamily="34" charset="-34"/>
+              </a:rPr>
+              <a:t>โดย ผศ</a:t>
+            </a:r>
+            <a:r>
+              <a:rPr lang="en-US" sz="2400" dirty="0">
+                <a:solidFill>
+                  <a:schemeClr val="bg1"/>
+                </a:solidFill>
+                <a:latin typeface="TH SarabunPSK" panose="020B0500040200020003" pitchFamily="34" charset="-34"/>
+                <a:cs typeface="TH SarabunPSK" panose="020B0500040200020003" pitchFamily="34" charset="-34"/>
+              </a:rPr>
+              <a:t>. </a:t>
+            </a:r>
+            <a:r>
+              <a:rPr lang="th-TH" sz="2400" dirty="0">
+                <a:solidFill>
+                  <a:schemeClr val="bg1"/>
+                </a:solidFill>
+                <a:latin typeface="TH SarabunPSK" panose="020B0500040200020003" pitchFamily="34" charset="-34"/>
+                <a:cs typeface="TH SarabunPSK" panose="020B0500040200020003" pitchFamily="34" charset="-34"/>
+              </a:rPr>
+              <a:t>ดร</a:t>
+            </a:r>
+            <a:r>
+              <a:rPr lang="en-US" sz="2400" dirty="0">
+                <a:solidFill>
+                  <a:schemeClr val="bg1"/>
+                </a:solidFill>
+                <a:latin typeface="TH SarabunPSK" panose="020B0500040200020003" pitchFamily="34" charset="-34"/>
+                <a:cs typeface="TH SarabunPSK" panose="020B0500040200020003" pitchFamily="34" charset="-34"/>
+              </a:rPr>
+              <a:t>.</a:t>
+            </a:r>
+            <a:r>
+              <a:rPr lang="th-TH" sz="2400" dirty="0">
+                <a:solidFill>
+                  <a:schemeClr val="bg1"/>
+                </a:solidFill>
+                <a:latin typeface="TH SarabunPSK" panose="020B0500040200020003" pitchFamily="34" charset="-34"/>
+                <a:cs typeface="TH SarabunPSK" panose="020B0500040200020003" pitchFamily="34" charset="-34"/>
+              </a:rPr>
+              <a:t>ธนพงศ์ อินทระ สาขาวิชาสถิติ มหาวิทยาลัยขอนแก่น </a:t>
+            </a:r>
+          </a:p>
+        </p:txBody>
+      </p:sp>
     </p:spTree>
     <p:extLst>
       <p:ext uri="{BB962C8B-B14F-4D97-AF65-F5344CB8AC3E}">
@@ -27750,6 +30046,88 @@
           </a:p>
         </p:txBody>
       </p:sp>
+      <p:sp>
+        <p:nvSpPr>
+          <p:cNvPr id="5" name="TextBox 4">
+            <a:extLst>
+              <a:ext uri="{FF2B5EF4-FFF2-40B4-BE49-F238E27FC236}">
+                <a16:creationId xmlns:a16="http://schemas.microsoft.com/office/drawing/2014/main" id="{E0CC1551-4F9D-B189-5477-BE6E2020DC8E}"/>
+              </a:ext>
+            </a:extLst>
+          </p:cNvPr>
+          <p:cNvSpPr txBox="1"/>
+          <p:nvPr/>
+        </p:nvSpPr>
+        <p:spPr>
+          <a:xfrm>
+            <a:off x="124837" y="6451715"/>
+            <a:ext cx="5532120" cy="461665"/>
+          </a:xfrm>
+          <a:prstGeom prst="rect">
+            <a:avLst/>
+          </a:prstGeom>
+          <a:noFill/>
+        </p:spPr>
+        <p:txBody>
+          <a:bodyPr wrap="square">
+            <a:spAutoFit/>
+          </a:bodyPr>
+          <a:lstStyle/>
+          <a:p>
+            <a:pPr algn="l"/>
+            <a:r>
+              <a:rPr lang="th-TH" sz="2400" dirty="0">
+                <a:solidFill>
+                  <a:schemeClr val="bg1"/>
+                </a:solidFill>
+                <a:latin typeface="TH SarabunPSK" panose="020B0500040200020003" pitchFamily="34" charset="-34"/>
+                <a:cs typeface="TH SarabunPSK" panose="020B0500040200020003" pitchFamily="34" charset="-34"/>
+              </a:rPr>
+              <a:t>โดย ผศ</a:t>
+            </a:r>
+            <a:r>
+              <a:rPr lang="en-US" sz="2400" dirty="0">
+                <a:solidFill>
+                  <a:schemeClr val="bg1"/>
+                </a:solidFill>
+                <a:latin typeface="TH SarabunPSK" panose="020B0500040200020003" pitchFamily="34" charset="-34"/>
+                <a:cs typeface="TH SarabunPSK" panose="020B0500040200020003" pitchFamily="34" charset="-34"/>
+              </a:rPr>
+              <a:t>. </a:t>
+            </a:r>
+            <a:r>
+              <a:rPr lang="th-TH" sz="2400" dirty="0">
+                <a:solidFill>
+                  <a:schemeClr val="bg1"/>
+                </a:solidFill>
+                <a:latin typeface="TH SarabunPSK" panose="020B0500040200020003" pitchFamily="34" charset="-34"/>
+                <a:cs typeface="TH SarabunPSK" panose="020B0500040200020003" pitchFamily="34" charset="-34"/>
+              </a:rPr>
+              <a:t>ดร</a:t>
+            </a:r>
+            <a:r>
+              <a:rPr lang="en-US" sz="2400" dirty="0">
+                <a:solidFill>
+                  <a:schemeClr val="bg1"/>
+                </a:solidFill>
+                <a:latin typeface="TH SarabunPSK" panose="020B0500040200020003" pitchFamily="34" charset="-34"/>
+                <a:cs typeface="TH SarabunPSK" panose="020B0500040200020003" pitchFamily="34" charset="-34"/>
+              </a:rPr>
+              <a:t>.</a:t>
+            </a:r>
+            <a:r>
+              <a:rPr lang="th-TH" sz="2400" dirty="0">
+                <a:solidFill>
+                  <a:schemeClr val="bg1"/>
+                </a:solidFill>
+                <a:latin typeface="TH SarabunPSK" panose="020B0500040200020003" pitchFamily="34" charset="-34"/>
+                <a:cs typeface="TH SarabunPSK" panose="020B0500040200020003" pitchFamily="34" charset="-34"/>
+              </a:rPr>
+              <a:t>ธนพงศ์ อินทระ สาขาวิชาสถิติ มหาวิทยาลัยขอนแก่น </a:t>
+            </a:r>
+          </a:p>
+        </p:txBody>
+      </p:sp>
     </p:spTree>
     <p:extLst>
       <p:ext uri="{BB962C8B-B14F-4D97-AF65-F5344CB8AC3E}">
@@ -28255,6 +30633,88 @@
           </a:prstGeom>
         </p:spPr>
       </p:pic>
+      <p:sp>
+        <p:nvSpPr>
+          <p:cNvPr id="3" name="TextBox 2">
+            <a:extLst>
+              <a:ext uri="{FF2B5EF4-FFF2-40B4-BE49-F238E27FC236}">
+                <a16:creationId xmlns:a16="http://schemas.microsoft.com/office/drawing/2014/main" id="{AD8FFA1B-7A8A-3AE4-B28F-52F46AB44AC3}"/>
+              </a:ext>
+            </a:extLst>
+          </p:cNvPr>
+          <p:cNvSpPr txBox="1"/>
+          <p:nvPr/>
+        </p:nvSpPr>
+        <p:spPr>
+          <a:xfrm>
+            <a:off x="124837" y="6451715"/>
+            <a:ext cx="5532120" cy="461665"/>
+          </a:xfrm>
+          <a:prstGeom prst="rect">
+            <a:avLst/>
+          </a:prstGeom>
+          <a:noFill/>
+        </p:spPr>
+        <p:txBody>
+          <a:bodyPr wrap="square">
+            <a:spAutoFit/>
+          </a:bodyPr>
+          <a:lstStyle/>
+          <a:p>
+            <a:pPr algn="l"/>
+            <a:r>
+              <a:rPr lang="th-TH" sz="2400" dirty="0">
+                <a:solidFill>
+                  <a:schemeClr val="bg1"/>
+                </a:solidFill>
+                <a:latin typeface="TH SarabunPSK" panose="020B0500040200020003" pitchFamily="34" charset="-34"/>
+                <a:cs typeface="TH SarabunPSK" panose="020B0500040200020003" pitchFamily="34" charset="-34"/>
+              </a:rPr>
+              <a:t>โดย ผศ</a:t>
+            </a:r>
+            <a:r>
+              <a:rPr lang="en-US" sz="2400" dirty="0">
+                <a:solidFill>
+                  <a:schemeClr val="bg1"/>
+                </a:solidFill>
+                <a:latin typeface="TH SarabunPSK" panose="020B0500040200020003" pitchFamily="34" charset="-34"/>
+                <a:cs typeface="TH SarabunPSK" panose="020B0500040200020003" pitchFamily="34" charset="-34"/>
+              </a:rPr>
+              <a:t>. </a:t>
+            </a:r>
+            <a:r>
+              <a:rPr lang="th-TH" sz="2400" dirty="0">
+                <a:solidFill>
+                  <a:schemeClr val="bg1"/>
+                </a:solidFill>
+                <a:latin typeface="TH SarabunPSK" panose="020B0500040200020003" pitchFamily="34" charset="-34"/>
+                <a:cs typeface="TH SarabunPSK" panose="020B0500040200020003" pitchFamily="34" charset="-34"/>
+              </a:rPr>
+              <a:t>ดร</a:t>
+            </a:r>
+            <a:r>
+              <a:rPr lang="en-US" sz="2400" dirty="0">
+                <a:solidFill>
+                  <a:schemeClr val="bg1"/>
+                </a:solidFill>
+                <a:latin typeface="TH SarabunPSK" panose="020B0500040200020003" pitchFamily="34" charset="-34"/>
+                <a:cs typeface="TH SarabunPSK" panose="020B0500040200020003" pitchFamily="34" charset="-34"/>
+              </a:rPr>
+              <a:t>.</a:t>
+            </a:r>
+            <a:r>
+              <a:rPr lang="th-TH" sz="2400" dirty="0">
+                <a:solidFill>
+                  <a:schemeClr val="bg1"/>
+                </a:solidFill>
+                <a:latin typeface="TH SarabunPSK" panose="020B0500040200020003" pitchFamily="34" charset="-34"/>
+                <a:cs typeface="TH SarabunPSK" panose="020B0500040200020003" pitchFamily="34" charset="-34"/>
+              </a:rPr>
+              <a:t>ธนพงศ์ อินทระ สาขาวิชาสถิติ มหาวิทยาลัยขอนแก่น </a:t>
+            </a:r>
+          </a:p>
+        </p:txBody>
+      </p:sp>
     </p:spTree>
     <p:extLst>
       <p:ext uri="{BB962C8B-B14F-4D97-AF65-F5344CB8AC3E}">
@@ -29826,6 +32286,88 @@
           </a:p>
         </p:txBody>
       </p:sp>
+      <p:sp>
+        <p:nvSpPr>
+          <p:cNvPr id="4" name="TextBox 3">
+            <a:extLst>
+              <a:ext uri="{FF2B5EF4-FFF2-40B4-BE49-F238E27FC236}">
+                <a16:creationId xmlns:a16="http://schemas.microsoft.com/office/drawing/2014/main" id="{6FF3F481-EC8D-8C15-0AF5-C21A099EC3B5}"/>
+              </a:ext>
+            </a:extLst>
+          </p:cNvPr>
+          <p:cNvSpPr txBox="1"/>
+          <p:nvPr/>
+        </p:nvSpPr>
+        <p:spPr>
+          <a:xfrm>
+            <a:off x="124837" y="6451715"/>
+            <a:ext cx="5532120" cy="461665"/>
+          </a:xfrm>
+          <a:prstGeom prst="rect">
+            <a:avLst/>
+          </a:prstGeom>
+          <a:noFill/>
+        </p:spPr>
+        <p:txBody>
+          <a:bodyPr wrap="square">
+            <a:spAutoFit/>
+          </a:bodyPr>
+          <a:lstStyle/>
+          <a:p>
+            <a:pPr algn="l"/>
+            <a:r>
+              <a:rPr lang="th-TH" sz="2400" dirty="0">
+                <a:solidFill>
+                  <a:schemeClr val="bg1"/>
+                </a:solidFill>
+                <a:latin typeface="TH SarabunPSK" panose="020B0500040200020003" pitchFamily="34" charset="-34"/>
+                <a:cs typeface="TH SarabunPSK" panose="020B0500040200020003" pitchFamily="34" charset="-34"/>
+              </a:rPr>
+              <a:t>โดย ผศ</a:t>
+            </a:r>
+            <a:r>
+              <a:rPr lang="en-US" sz="2400" dirty="0">
+                <a:solidFill>
+                  <a:schemeClr val="bg1"/>
+                </a:solidFill>
+                <a:latin typeface="TH SarabunPSK" panose="020B0500040200020003" pitchFamily="34" charset="-34"/>
+                <a:cs typeface="TH SarabunPSK" panose="020B0500040200020003" pitchFamily="34" charset="-34"/>
+              </a:rPr>
+              <a:t>. </a:t>
+            </a:r>
+            <a:r>
+              <a:rPr lang="th-TH" sz="2400" dirty="0">
+                <a:solidFill>
+                  <a:schemeClr val="bg1"/>
+                </a:solidFill>
+                <a:latin typeface="TH SarabunPSK" panose="020B0500040200020003" pitchFamily="34" charset="-34"/>
+                <a:cs typeface="TH SarabunPSK" panose="020B0500040200020003" pitchFamily="34" charset="-34"/>
+              </a:rPr>
+              <a:t>ดร</a:t>
+            </a:r>
+            <a:r>
+              <a:rPr lang="en-US" sz="2400" dirty="0">
+                <a:solidFill>
+                  <a:schemeClr val="bg1"/>
+                </a:solidFill>
+                <a:latin typeface="TH SarabunPSK" panose="020B0500040200020003" pitchFamily="34" charset="-34"/>
+                <a:cs typeface="TH SarabunPSK" panose="020B0500040200020003" pitchFamily="34" charset="-34"/>
+              </a:rPr>
+              <a:t>.</a:t>
+            </a:r>
+            <a:r>
+              <a:rPr lang="th-TH" sz="2400" dirty="0">
+                <a:solidFill>
+                  <a:schemeClr val="bg1"/>
+                </a:solidFill>
+                <a:latin typeface="TH SarabunPSK" panose="020B0500040200020003" pitchFamily="34" charset="-34"/>
+                <a:cs typeface="TH SarabunPSK" panose="020B0500040200020003" pitchFamily="34" charset="-34"/>
+              </a:rPr>
+              <a:t>ธนพงศ์ อินทระ สาขาวิชาสถิติ มหาวิทยาลัยขอนแก่น </a:t>
+            </a:r>
+          </a:p>
+        </p:txBody>
+      </p:sp>
     </p:spTree>
     <p:extLst>
       <p:ext uri="{BB962C8B-B14F-4D97-AF65-F5344CB8AC3E}">
@@ -31221,6 +33763,88 @@
           </a:p>
         </p:txBody>
       </p:sp>
+      <p:sp>
+        <p:nvSpPr>
+          <p:cNvPr id="4" name="TextBox 3">
+            <a:extLst>
+              <a:ext uri="{FF2B5EF4-FFF2-40B4-BE49-F238E27FC236}">
+                <a16:creationId xmlns:a16="http://schemas.microsoft.com/office/drawing/2014/main" id="{66B1BC67-856C-C372-BC76-B88674A8D778}"/>
+              </a:ext>
+            </a:extLst>
+          </p:cNvPr>
+          <p:cNvSpPr txBox="1"/>
+          <p:nvPr/>
+        </p:nvSpPr>
+        <p:spPr>
+          <a:xfrm>
+            <a:off x="124837" y="6451715"/>
+            <a:ext cx="5532120" cy="461665"/>
+          </a:xfrm>
+          <a:prstGeom prst="rect">
+            <a:avLst/>
+          </a:prstGeom>
+          <a:noFill/>
+        </p:spPr>
+        <p:txBody>
+          <a:bodyPr wrap="square">
+            <a:spAutoFit/>
+          </a:bodyPr>
+          <a:lstStyle/>
+          <a:p>
+            <a:pPr algn="l"/>
+            <a:r>
+              <a:rPr lang="th-TH" sz="2400" dirty="0">
+                <a:solidFill>
+                  <a:schemeClr val="bg1"/>
+                </a:solidFill>
+                <a:latin typeface="TH SarabunPSK" panose="020B0500040200020003" pitchFamily="34" charset="-34"/>
+                <a:cs typeface="TH SarabunPSK" panose="020B0500040200020003" pitchFamily="34" charset="-34"/>
+              </a:rPr>
+              <a:t>โดย ผศ</a:t>
+            </a:r>
+            <a:r>
+              <a:rPr lang="en-US" sz="2400" dirty="0">
+                <a:solidFill>
+                  <a:schemeClr val="bg1"/>
+                </a:solidFill>
+                <a:latin typeface="TH SarabunPSK" panose="020B0500040200020003" pitchFamily="34" charset="-34"/>
+                <a:cs typeface="TH SarabunPSK" panose="020B0500040200020003" pitchFamily="34" charset="-34"/>
+              </a:rPr>
+              <a:t>. </a:t>
+            </a:r>
+            <a:r>
+              <a:rPr lang="th-TH" sz="2400" dirty="0">
+                <a:solidFill>
+                  <a:schemeClr val="bg1"/>
+                </a:solidFill>
+                <a:latin typeface="TH SarabunPSK" panose="020B0500040200020003" pitchFamily="34" charset="-34"/>
+                <a:cs typeface="TH SarabunPSK" panose="020B0500040200020003" pitchFamily="34" charset="-34"/>
+              </a:rPr>
+              <a:t>ดร</a:t>
+            </a:r>
+            <a:r>
+              <a:rPr lang="en-US" sz="2400" dirty="0">
+                <a:solidFill>
+                  <a:schemeClr val="bg1"/>
+                </a:solidFill>
+                <a:latin typeface="TH SarabunPSK" panose="020B0500040200020003" pitchFamily="34" charset="-34"/>
+                <a:cs typeface="TH SarabunPSK" panose="020B0500040200020003" pitchFamily="34" charset="-34"/>
+              </a:rPr>
+              <a:t>.</a:t>
+            </a:r>
+            <a:r>
+              <a:rPr lang="th-TH" sz="2400" dirty="0">
+                <a:solidFill>
+                  <a:schemeClr val="bg1"/>
+                </a:solidFill>
+                <a:latin typeface="TH SarabunPSK" panose="020B0500040200020003" pitchFamily="34" charset="-34"/>
+                <a:cs typeface="TH SarabunPSK" panose="020B0500040200020003" pitchFamily="34" charset="-34"/>
+              </a:rPr>
+              <a:t>ธนพงศ์ อินทระ สาขาวิชาสถิติ มหาวิทยาลัยขอนแก่น </a:t>
+            </a:r>
+          </a:p>
+        </p:txBody>
+      </p:sp>
     </p:spTree>
     <p:extLst>
       <p:ext uri="{BB962C8B-B14F-4D97-AF65-F5344CB8AC3E}">
@@ -32119,6 +34743,88 @@
           </a:p>
         </p:txBody>
       </p:sp>
+      <p:sp>
+        <p:nvSpPr>
+          <p:cNvPr id="4" name="TextBox 3">
+            <a:extLst>
+              <a:ext uri="{FF2B5EF4-FFF2-40B4-BE49-F238E27FC236}">
+                <a16:creationId xmlns:a16="http://schemas.microsoft.com/office/drawing/2014/main" id="{C8B48098-9189-EA78-A9E8-0B6B4B5AC41C}"/>
+              </a:ext>
+            </a:extLst>
+          </p:cNvPr>
+          <p:cNvSpPr txBox="1"/>
+          <p:nvPr/>
+        </p:nvSpPr>
+        <p:spPr>
+          <a:xfrm>
+            <a:off x="124837" y="6451715"/>
+            <a:ext cx="5532120" cy="461665"/>
+          </a:xfrm>
+          <a:prstGeom prst="rect">
+            <a:avLst/>
+          </a:prstGeom>
+          <a:noFill/>
+        </p:spPr>
+        <p:txBody>
+          <a:bodyPr wrap="square">
+            <a:spAutoFit/>
+          </a:bodyPr>
+          <a:lstStyle/>
+          <a:p>
+            <a:pPr algn="l"/>
+            <a:r>
+              <a:rPr lang="th-TH" sz="2400" dirty="0">
+                <a:solidFill>
+                  <a:schemeClr val="bg1"/>
+                </a:solidFill>
+                <a:latin typeface="TH SarabunPSK" panose="020B0500040200020003" pitchFamily="34" charset="-34"/>
+                <a:cs typeface="TH SarabunPSK" panose="020B0500040200020003" pitchFamily="34" charset="-34"/>
+              </a:rPr>
+              <a:t>โดย ผศ</a:t>
+            </a:r>
+            <a:r>
+              <a:rPr lang="en-US" sz="2400" dirty="0">
+                <a:solidFill>
+                  <a:schemeClr val="bg1"/>
+                </a:solidFill>
+                <a:latin typeface="TH SarabunPSK" panose="020B0500040200020003" pitchFamily="34" charset="-34"/>
+                <a:cs typeface="TH SarabunPSK" panose="020B0500040200020003" pitchFamily="34" charset="-34"/>
+              </a:rPr>
+              <a:t>. </a:t>
+            </a:r>
+            <a:r>
+              <a:rPr lang="th-TH" sz="2400" dirty="0">
+                <a:solidFill>
+                  <a:schemeClr val="bg1"/>
+                </a:solidFill>
+                <a:latin typeface="TH SarabunPSK" panose="020B0500040200020003" pitchFamily="34" charset="-34"/>
+                <a:cs typeface="TH SarabunPSK" panose="020B0500040200020003" pitchFamily="34" charset="-34"/>
+              </a:rPr>
+              <a:t>ดร</a:t>
+            </a:r>
+            <a:r>
+              <a:rPr lang="en-US" sz="2400" dirty="0">
+                <a:solidFill>
+                  <a:schemeClr val="bg1"/>
+                </a:solidFill>
+                <a:latin typeface="TH SarabunPSK" panose="020B0500040200020003" pitchFamily="34" charset="-34"/>
+                <a:cs typeface="TH SarabunPSK" panose="020B0500040200020003" pitchFamily="34" charset="-34"/>
+              </a:rPr>
+              <a:t>.</a:t>
+            </a:r>
+            <a:r>
+              <a:rPr lang="th-TH" sz="2400" dirty="0">
+                <a:solidFill>
+                  <a:schemeClr val="bg1"/>
+                </a:solidFill>
+                <a:latin typeface="TH SarabunPSK" panose="020B0500040200020003" pitchFamily="34" charset="-34"/>
+                <a:cs typeface="TH SarabunPSK" panose="020B0500040200020003" pitchFamily="34" charset="-34"/>
+              </a:rPr>
+              <a:t>ธนพงศ์ อินทระ สาขาวิชาสถิติ มหาวิทยาลัยขอนแก่น </a:t>
+            </a:r>
+          </a:p>
+        </p:txBody>
+      </p:sp>
     </p:spTree>
     <p:extLst>
       <p:ext uri="{BB962C8B-B14F-4D97-AF65-F5344CB8AC3E}">
@@ -33212,6 +35918,88 @@
           </a:p>
         </p:txBody>
       </p:sp>
+      <p:sp>
+        <p:nvSpPr>
+          <p:cNvPr id="4" name="TextBox 3">
+            <a:extLst>
+              <a:ext uri="{FF2B5EF4-FFF2-40B4-BE49-F238E27FC236}">
+                <a16:creationId xmlns:a16="http://schemas.microsoft.com/office/drawing/2014/main" id="{ADE3F245-18EA-7E7E-0FAD-FD75253B4EE5}"/>
+              </a:ext>
+            </a:extLst>
+          </p:cNvPr>
+          <p:cNvSpPr txBox="1"/>
+          <p:nvPr/>
+        </p:nvSpPr>
+        <p:spPr>
+          <a:xfrm>
+            <a:off x="124837" y="6451715"/>
+            <a:ext cx="5532120" cy="461665"/>
+          </a:xfrm>
+          <a:prstGeom prst="rect">
+            <a:avLst/>
+          </a:prstGeom>
+          <a:noFill/>
+        </p:spPr>
+        <p:txBody>
+          <a:bodyPr wrap="square">
+            <a:spAutoFit/>
+          </a:bodyPr>
+          <a:lstStyle/>
+          <a:p>
+            <a:pPr algn="l"/>
+            <a:r>
+              <a:rPr lang="th-TH" sz="2400" dirty="0">
+                <a:solidFill>
+                  <a:schemeClr val="bg1"/>
+                </a:solidFill>
+                <a:latin typeface="TH SarabunPSK" panose="020B0500040200020003" pitchFamily="34" charset="-34"/>
+                <a:cs typeface="TH SarabunPSK" panose="020B0500040200020003" pitchFamily="34" charset="-34"/>
+              </a:rPr>
+              <a:t>โดย ผศ</a:t>
+            </a:r>
+            <a:r>
+              <a:rPr lang="en-US" sz="2400" dirty="0">
+                <a:solidFill>
+                  <a:schemeClr val="bg1"/>
+                </a:solidFill>
+                <a:latin typeface="TH SarabunPSK" panose="020B0500040200020003" pitchFamily="34" charset="-34"/>
+                <a:cs typeface="TH SarabunPSK" panose="020B0500040200020003" pitchFamily="34" charset="-34"/>
+              </a:rPr>
+              <a:t>. </a:t>
+            </a:r>
+            <a:r>
+              <a:rPr lang="th-TH" sz="2400" dirty="0">
+                <a:solidFill>
+                  <a:schemeClr val="bg1"/>
+                </a:solidFill>
+                <a:latin typeface="TH SarabunPSK" panose="020B0500040200020003" pitchFamily="34" charset="-34"/>
+                <a:cs typeface="TH SarabunPSK" panose="020B0500040200020003" pitchFamily="34" charset="-34"/>
+              </a:rPr>
+              <a:t>ดร</a:t>
+            </a:r>
+            <a:r>
+              <a:rPr lang="en-US" sz="2400" dirty="0">
+                <a:solidFill>
+                  <a:schemeClr val="bg1"/>
+                </a:solidFill>
+                <a:latin typeface="TH SarabunPSK" panose="020B0500040200020003" pitchFamily="34" charset="-34"/>
+                <a:cs typeface="TH SarabunPSK" panose="020B0500040200020003" pitchFamily="34" charset="-34"/>
+              </a:rPr>
+              <a:t>.</a:t>
+            </a:r>
+            <a:r>
+              <a:rPr lang="th-TH" sz="2400" dirty="0">
+                <a:solidFill>
+                  <a:schemeClr val="bg1"/>
+                </a:solidFill>
+                <a:latin typeface="TH SarabunPSK" panose="020B0500040200020003" pitchFamily="34" charset="-34"/>
+                <a:cs typeface="TH SarabunPSK" panose="020B0500040200020003" pitchFamily="34" charset="-34"/>
+              </a:rPr>
+              <a:t>ธนพงศ์ อินทระ สาขาวิชาสถิติ มหาวิทยาลัยขอนแก่น </a:t>
+            </a:r>
+          </a:p>
+        </p:txBody>
+      </p:sp>
     </p:spTree>
     <p:extLst>
       <p:ext uri="{BB962C8B-B14F-4D97-AF65-F5344CB8AC3E}">
@@ -34356,6 +37144,88 @@
           </a:p>
         </p:txBody>
       </p:sp>
+      <p:sp>
+        <p:nvSpPr>
+          <p:cNvPr id="4" name="TextBox 3">
+            <a:extLst>
+              <a:ext uri="{FF2B5EF4-FFF2-40B4-BE49-F238E27FC236}">
+                <a16:creationId xmlns:a16="http://schemas.microsoft.com/office/drawing/2014/main" id="{B9ECB5B9-A91D-9F9D-7F67-92EA5A4CFCFA}"/>
+              </a:ext>
+            </a:extLst>
+          </p:cNvPr>
+          <p:cNvSpPr txBox="1"/>
+          <p:nvPr/>
+        </p:nvSpPr>
+        <p:spPr>
+          <a:xfrm>
+            <a:off x="124837" y="6451715"/>
+            <a:ext cx="5532120" cy="461665"/>
+          </a:xfrm>
+          <a:prstGeom prst="rect">
+            <a:avLst/>
+          </a:prstGeom>
+          <a:noFill/>
+        </p:spPr>
+        <p:txBody>
+          <a:bodyPr wrap="square">
+            <a:spAutoFit/>
+          </a:bodyPr>
+          <a:lstStyle/>
+          <a:p>
+            <a:pPr algn="l"/>
+            <a:r>
+              <a:rPr lang="th-TH" sz="2400" dirty="0">
+                <a:solidFill>
+                  <a:schemeClr val="bg1"/>
+                </a:solidFill>
+                <a:latin typeface="TH SarabunPSK" panose="020B0500040200020003" pitchFamily="34" charset="-34"/>
+                <a:cs typeface="TH SarabunPSK" panose="020B0500040200020003" pitchFamily="34" charset="-34"/>
+              </a:rPr>
+              <a:t>โดย ผศ</a:t>
+            </a:r>
+            <a:r>
+              <a:rPr lang="en-US" sz="2400" dirty="0">
+                <a:solidFill>
+                  <a:schemeClr val="bg1"/>
+                </a:solidFill>
+                <a:latin typeface="TH SarabunPSK" panose="020B0500040200020003" pitchFamily="34" charset="-34"/>
+                <a:cs typeface="TH SarabunPSK" panose="020B0500040200020003" pitchFamily="34" charset="-34"/>
+              </a:rPr>
+              <a:t>. </a:t>
+            </a:r>
+            <a:r>
+              <a:rPr lang="th-TH" sz="2400" dirty="0">
+                <a:solidFill>
+                  <a:schemeClr val="bg1"/>
+                </a:solidFill>
+                <a:latin typeface="TH SarabunPSK" panose="020B0500040200020003" pitchFamily="34" charset="-34"/>
+                <a:cs typeface="TH SarabunPSK" panose="020B0500040200020003" pitchFamily="34" charset="-34"/>
+              </a:rPr>
+              <a:t>ดร</a:t>
+            </a:r>
+            <a:r>
+              <a:rPr lang="en-US" sz="2400" dirty="0">
+                <a:solidFill>
+                  <a:schemeClr val="bg1"/>
+                </a:solidFill>
+                <a:latin typeface="TH SarabunPSK" panose="020B0500040200020003" pitchFamily="34" charset="-34"/>
+                <a:cs typeface="TH SarabunPSK" panose="020B0500040200020003" pitchFamily="34" charset="-34"/>
+              </a:rPr>
+              <a:t>.</a:t>
+            </a:r>
+            <a:r>
+              <a:rPr lang="th-TH" sz="2400" dirty="0">
+                <a:solidFill>
+                  <a:schemeClr val="bg1"/>
+                </a:solidFill>
+                <a:latin typeface="TH SarabunPSK" panose="020B0500040200020003" pitchFamily="34" charset="-34"/>
+                <a:cs typeface="TH SarabunPSK" panose="020B0500040200020003" pitchFamily="34" charset="-34"/>
+              </a:rPr>
+              <a:t>ธนพงศ์ อินทระ สาขาวิชาสถิติ มหาวิทยาลัยขอนแก่น </a:t>
+            </a:r>
+          </a:p>
+        </p:txBody>
+      </p:sp>
     </p:spTree>
     <p:extLst>
       <p:ext uri="{BB962C8B-B14F-4D97-AF65-F5344CB8AC3E}">
@@ -35445,6 +38315,88 @@
               </a:highlight>
               <a:latin typeface="Courier New" panose="02070309020205020404" pitchFamily="49" charset="0"/>
             </a:endParaRPr>
+          </a:p>
+        </p:txBody>
+      </p:sp>
+      <p:sp>
+        <p:nvSpPr>
+          <p:cNvPr id="4" name="TextBox 3">
+            <a:extLst>
+              <a:ext uri="{FF2B5EF4-FFF2-40B4-BE49-F238E27FC236}">
+                <a16:creationId xmlns:a16="http://schemas.microsoft.com/office/drawing/2014/main" id="{C68FF311-286E-41B4-5EDD-16801D1B73B9}"/>
+              </a:ext>
+            </a:extLst>
+          </p:cNvPr>
+          <p:cNvSpPr txBox="1"/>
+          <p:nvPr/>
+        </p:nvSpPr>
+        <p:spPr>
+          <a:xfrm>
+            <a:off x="124837" y="6451715"/>
+            <a:ext cx="5532120" cy="461665"/>
+          </a:xfrm>
+          <a:prstGeom prst="rect">
+            <a:avLst/>
+          </a:prstGeom>
+          <a:noFill/>
+        </p:spPr>
+        <p:txBody>
+          <a:bodyPr wrap="square">
+            <a:spAutoFit/>
+          </a:bodyPr>
+          <a:lstStyle/>
+          <a:p>
+            <a:pPr algn="l"/>
+            <a:r>
+              <a:rPr lang="th-TH" sz="2400" dirty="0">
+                <a:solidFill>
+                  <a:schemeClr val="bg1"/>
+                </a:solidFill>
+                <a:latin typeface="TH SarabunPSK" panose="020B0500040200020003" pitchFamily="34" charset="-34"/>
+                <a:cs typeface="TH SarabunPSK" panose="020B0500040200020003" pitchFamily="34" charset="-34"/>
+              </a:rPr>
+              <a:t>โดย ผศ</a:t>
+            </a:r>
+            <a:r>
+              <a:rPr lang="en-US" sz="2400" dirty="0">
+                <a:solidFill>
+                  <a:schemeClr val="bg1"/>
+                </a:solidFill>
+                <a:latin typeface="TH SarabunPSK" panose="020B0500040200020003" pitchFamily="34" charset="-34"/>
+                <a:cs typeface="TH SarabunPSK" panose="020B0500040200020003" pitchFamily="34" charset="-34"/>
+              </a:rPr>
+              <a:t>. </a:t>
+            </a:r>
+            <a:r>
+              <a:rPr lang="th-TH" sz="2400" dirty="0">
+                <a:solidFill>
+                  <a:schemeClr val="bg1"/>
+                </a:solidFill>
+                <a:latin typeface="TH SarabunPSK" panose="020B0500040200020003" pitchFamily="34" charset="-34"/>
+                <a:cs typeface="TH SarabunPSK" panose="020B0500040200020003" pitchFamily="34" charset="-34"/>
+              </a:rPr>
+              <a:t>ดร</a:t>
+            </a:r>
+            <a:r>
+              <a:rPr lang="en-US" sz="2400" dirty="0">
+                <a:solidFill>
+                  <a:schemeClr val="bg1"/>
+                </a:solidFill>
+                <a:latin typeface="TH SarabunPSK" panose="020B0500040200020003" pitchFamily="34" charset="-34"/>
+                <a:cs typeface="TH SarabunPSK" panose="020B0500040200020003" pitchFamily="34" charset="-34"/>
+              </a:rPr>
+              <a:t>.</a:t>
+            </a:r>
+            <a:r>
+              <a:rPr lang="th-TH" sz="2400" dirty="0">
+                <a:solidFill>
+                  <a:schemeClr val="bg1"/>
+                </a:solidFill>
+                <a:latin typeface="TH SarabunPSK" panose="020B0500040200020003" pitchFamily="34" charset="-34"/>
+                <a:cs typeface="TH SarabunPSK" panose="020B0500040200020003" pitchFamily="34" charset="-34"/>
+              </a:rPr>
+              <a:t>ธนพงศ์ อินทระ สาขาวิชาสถิติ มหาวิทยาลัยขอนแก่น </a:t>
+            </a:r>
           </a:p>
         </p:txBody>
       </p:sp>
